--- a/spring17/slidesS17/implies-connective.pptx
+++ b/spring17/slidesS17/implies-connective.pptx
@@ -6,30 +6,33 @@
     <p:sldMasterId id="2147483651" r:id="rId2"/>
   </p:sldMasterIdLst>
   <p:notesMasterIdLst>
-    <p:notesMasterId r:id="rId16"/>
+    <p:notesMasterId r:id="rId19"/>
   </p:notesMasterIdLst>
   <p:handoutMasterIdLst>
-    <p:handoutMasterId r:id="rId17"/>
+    <p:handoutMasterId r:id="rId20"/>
   </p:handoutMasterIdLst>
   <p:sldIdLst>
     <p:sldId id="392" r:id="rId3"/>
     <p:sldId id="467" r:id="rId4"/>
     <p:sldId id="489" r:id="rId5"/>
-    <p:sldId id="468" r:id="rId6"/>
-    <p:sldId id="469" r:id="rId7"/>
-    <p:sldId id="470" r:id="rId8"/>
-    <p:sldId id="471" r:id="rId9"/>
-    <p:sldId id="472" r:id="rId10"/>
-    <p:sldId id="447" r:id="rId11"/>
-    <p:sldId id="485" r:id="rId12"/>
-    <p:sldId id="486" r:id="rId13"/>
-    <p:sldId id="487" r:id="rId14"/>
-    <p:sldId id="488" r:id="rId15"/>
+    <p:sldId id="498" r:id="rId6"/>
+    <p:sldId id="468" r:id="rId7"/>
+    <p:sldId id="469" r:id="rId8"/>
+    <p:sldId id="470" r:id="rId9"/>
+    <p:sldId id="471" r:id="rId10"/>
+    <p:sldId id="472" r:id="rId11"/>
+    <p:sldId id="490" r:id="rId12"/>
+    <p:sldId id="491" r:id="rId13"/>
+    <p:sldId id="494" r:id="rId14"/>
+    <p:sldId id="493" r:id="rId15"/>
+    <p:sldId id="495" r:id="rId16"/>
+    <p:sldId id="496" r:id="rId17"/>
+    <p:sldId id="499" r:id="rId18"/>
   </p:sldIdLst>
   <p:sldSz cx="9144000" cy="6858000" type="screen4x3"/>
   <p:notesSz cx="9601200" cy="7315200"/>
   <p:custDataLst>
-    <p:tags r:id="rId19"/>
+    <p:tags r:id="rId22"/>
   </p:custDataLst>
   <p:defaultTextStyle>
     <a:defPPr>
@@ -919,88 +922,6 @@
 </p:notes>
 </file>
 
-<file path=ppt/notesSlides/notesSlide10.xml><?xml version="1.0" encoding="utf-8"?>
-<p:notes xmlns:a="http://schemas.openxmlformats.org/drawingml/2006/main" xmlns:r="http://schemas.openxmlformats.org/officeDocument/2006/relationships" xmlns:p="http://schemas.openxmlformats.org/presentationml/2006/main">
-  <p:cSld>
-    <p:spTree>
-      <p:nvGrpSpPr>
-        <p:cNvPr id="1" name=""/>
-        <p:cNvGrpSpPr/>
-        <p:nvPr/>
-      </p:nvGrpSpPr>
-      <p:grpSpPr>
-        <a:xfrm>
-          <a:off x="0" y="0"/>
-          <a:ext cx="0" cy="0"/>
-          <a:chOff x="0" y="0"/>
-          <a:chExt cx="0" cy="0"/>
-        </a:xfrm>
-      </p:grpSpPr>
-      <p:sp>
-        <p:nvSpPr>
-          <p:cNvPr id="2" name="Slide Image Placeholder 1"/>
-          <p:cNvSpPr>
-            <a:spLocks noGrp="1" noRot="1" noChangeAspect="1"/>
-          </p:cNvSpPr>
-          <p:nvPr>
-            <p:ph type="sldImg"/>
-          </p:nvPr>
-        </p:nvSpPr>
-        <p:spPr/>
-      </p:sp>
-      <p:sp>
-        <p:nvSpPr>
-          <p:cNvPr id="3" name="Notes Placeholder 2"/>
-          <p:cNvSpPr>
-            <a:spLocks noGrp="1"/>
-          </p:cNvSpPr>
-          <p:nvPr>
-            <p:ph type="body" idx="1"/>
-          </p:nvPr>
-        </p:nvSpPr>
-        <p:spPr/>
-        <p:txBody>
-          <a:bodyPr>
-            <a:normAutofit/>
-          </a:bodyPr>
-          <a:lstStyle/>
-          <a:p>
-            <a:endParaRPr lang="en-US"/>
-          </a:p>
-        </p:txBody>
-      </p:sp>
-      <p:sp>
-        <p:nvSpPr>
-          <p:cNvPr id="4" name="Slide Number Placeholder 3"/>
-          <p:cNvSpPr>
-            <a:spLocks noGrp="1"/>
-          </p:cNvSpPr>
-          <p:nvPr>
-            <p:ph type="sldNum" sz="quarter" idx="10"/>
-          </p:nvPr>
-        </p:nvSpPr>
-        <p:spPr/>
-        <p:txBody>
-          <a:bodyPr/>
-          <a:lstStyle/>
-          <a:p>
-            <a:fld id="{A02B9F3F-3042-489F-AF35-1A733968F079}" type="slidenum">
-              <a:rPr lang="en-US" smtClean="0"/>
-              <a:pPr/>
-              <a:t>13</a:t>
-            </a:fld>
-            <a:endParaRPr lang="en-US"/>
-          </a:p>
-        </p:txBody>
-      </p:sp>
-    </p:spTree>
-  </p:cSld>
-  <p:clrMapOvr>
-    <a:masterClrMapping/>
-  </p:clrMapOvr>
-</p:notes>
-</file>
-
 <file path=ppt/notesSlides/notesSlide2.xml><?xml version="1.0" encoding="utf-8"?>
 <p:notes xmlns:a="http://schemas.openxmlformats.org/drawingml/2006/main" xmlns:r="http://schemas.openxmlformats.org/officeDocument/2006/relationships" xmlns:p="http://schemas.openxmlformats.org/presentationml/2006/main">
   <p:cSld>
@@ -1184,66 +1105,58 @@
       </p:grpSpPr>
       <p:sp>
         <p:nvSpPr>
-          <p:cNvPr id="69634" name="Rectangle 7"/>
+          <p:cNvPr id="2" name="Slide Image Placeholder 1"/>
           <p:cNvSpPr>
-            <a:spLocks noGrp="1" noChangeArrowheads="1"/>
+            <a:spLocks noGrp="1" noRot="1" noChangeAspect="1"/>
           </p:cNvSpPr>
           <p:nvPr>
-            <p:ph type="sldNum" sz="quarter" idx="5"/>
+            <p:ph type="sldImg"/>
           </p:nvPr>
         </p:nvSpPr>
-        <p:spPr>
-          <a:noFill/>
-        </p:spPr>
+        <p:spPr/>
+      </p:sp>
+      <p:sp>
+        <p:nvSpPr>
+          <p:cNvPr id="3" name="Notes Placeholder 2"/>
+          <p:cNvSpPr>
+            <a:spLocks noGrp="1"/>
+          </p:cNvSpPr>
+          <p:nvPr>
+            <p:ph type="body" idx="1"/>
+          </p:nvPr>
+        </p:nvSpPr>
+        <p:spPr/>
+        <p:txBody>
+          <a:bodyPr>
+            <a:normAutofit/>
+          </a:bodyPr>
+          <a:lstStyle/>
+          <a:p>
+            <a:endParaRPr lang="en-US"/>
+          </a:p>
+        </p:txBody>
+      </p:sp>
+      <p:sp>
+        <p:nvSpPr>
+          <p:cNvPr id="4" name="Slide Number Placeholder 3"/>
+          <p:cNvSpPr>
+            <a:spLocks noGrp="1"/>
+          </p:cNvSpPr>
+          <p:nvPr>
+            <p:ph type="sldNum" sz="quarter" idx="10"/>
+          </p:nvPr>
+        </p:nvSpPr>
+        <p:spPr/>
         <p:txBody>
           <a:bodyPr/>
           <a:lstStyle/>
           <a:p>
-            <a:fld id="{E9897216-F7CF-45C8-938C-7B4DBF3D59F9}" type="slidenum">
-              <a:rPr lang="en-US"/>
+            <a:fld id="{A02B9F3F-3042-489F-AF35-1A733968F079}" type="slidenum">
+              <a:rPr lang="en-US" smtClean="0"/>
               <a:pPr/>
               <a:t>4</a:t>
             </a:fld>
             <a:endParaRPr lang="en-US"/>
-          </a:p>
-        </p:txBody>
-      </p:sp>
-      <p:sp>
-        <p:nvSpPr>
-          <p:cNvPr id="69635" name="Rectangle 2"/>
-          <p:cNvSpPr>
-            <a:spLocks noGrp="1" noRot="1" noChangeAspect="1" noChangeArrowheads="1" noTextEdit="1"/>
-          </p:cNvSpPr>
-          <p:nvPr>
-            <p:ph type="sldImg"/>
-          </p:nvPr>
-        </p:nvSpPr>
-        <p:spPr>
-          <a:ln/>
-        </p:spPr>
-      </p:sp>
-      <p:sp>
-        <p:nvSpPr>
-          <p:cNvPr id="69636" name="Rectangle 3"/>
-          <p:cNvSpPr>
-            <a:spLocks noGrp="1" noChangeArrowheads="1"/>
-          </p:cNvSpPr>
-          <p:nvPr>
-            <p:ph type="body" idx="1"/>
-          </p:nvPr>
-        </p:nvSpPr>
-        <p:spPr>
-          <a:noFill/>
-          <a:ln/>
-        </p:spPr>
-        <p:txBody>
-          <a:bodyPr/>
-          <a:lstStyle/>
-          <a:p>
-            <a:pPr eaLnBrk="1" hangingPunct="1"/>
-            <a:endParaRPr lang="en-US" smtClean="0">
-              <a:cs typeface="Arial" charset="0"/>
-            </a:endParaRPr>
           </a:p>
         </p:txBody>
       </p:sp>
@@ -1634,58 +1547,66 @@
       </p:grpSpPr>
       <p:sp>
         <p:nvSpPr>
-          <p:cNvPr id="2" name="Slide Image Placeholder 1"/>
+          <p:cNvPr id="69634" name="Rectangle 7"/>
           <p:cNvSpPr>
-            <a:spLocks noGrp="1" noRot="1" noChangeAspect="1"/>
+            <a:spLocks noGrp="1" noChangeArrowheads="1"/>
+          </p:cNvSpPr>
+          <p:nvPr>
+            <p:ph type="sldNum" sz="quarter" idx="5"/>
+          </p:nvPr>
+        </p:nvSpPr>
+        <p:spPr>
+          <a:noFill/>
+        </p:spPr>
+        <p:txBody>
+          <a:bodyPr/>
+          <a:lstStyle/>
+          <a:p>
+            <a:fld id="{E9897216-F7CF-45C8-938C-7B4DBF3D59F9}" type="slidenum">
+              <a:rPr lang="en-US"/>
+              <a:pPr/>
+              <a:t>9</a:t>
+            </a:fld>
+            <a:endParaRPr lang="en-US"/>
+          </a:p>
+        </p:txBody>
+      </p:sp>
+      <p:sp>
+        <p:nvSpPr>
+          <p:cNvPr id="69635" name="Rectangle 2"/>
+          <p:cNvSpPr>
+            <a:spLocks noGrp="1" noRot="1" noChangeAspect="1" noChangeArrowheads="1" noTextEdit="1"/>
           </p:cNvSpPr>
           <p:nvPr>
             <p:ph type="sldImg"/>
           </p:nvPr>
         </p:nvSpPr>
-        <p:spPr/>
-      </p:sp>
-      <p:sp>
-        <p:nvSpPr>
-          <p:cNvPr id="3" name="Notes Placeholder 2"/>
+        <p:spPr>
+          <a:ln/>
+        </p:spPr>
+      </p:sp>
+      <p:sp>
+        <p:nvSpPr>
+          <p:cNvPr id="69636" name="Rectangle 3"/>
           <p:cNvSpPr>
-            <a:spLocks noGrp="1"/>
+            <a:spLocks noGrp="1" noChangeArrowheads="1"/>
           </p:cNvSpPr>
           <p:nvPr>
             <p:ph type="body" idx="1"/>
           </p:nvPr>
         </p:nvSpPr>
-        <p:spPr/>
-        <p:txBody>
-          <a:bodyPr>
-            <a:normAutofit/>
-          </a:bodyPr>
-          <a:lstStyle/>
-          <a:p>
-            <a:endParaRPr lang="en-US"/>
-          </a:p>
-        </p:txBody>
-      </p:sp>
-      <p:sp>
-        <p:nvSpPr>
-          <p:cNvPr id="4" name="Slide Number Placeholder 3"/>
-          <p:cNvSpPr>
-            <a:spLocks noGrp="1"/>
-          </p:cNvSpPr>
-          <p:nvPr>
-            <p:ph type="sldNum" sz="quarter" idx="10"/>
-          </p:nvPr>
-        </p:nvSpPr>
-        <p:spPr/>
+        <p:spPr>
+          <a:noFill/>
+          <a:ln/>
+        </p:spPr>
         <p:txBody>
           <a:bodyPr/>
           <a:lstStyle/>
           <a:p>
-            <a:fld id="{A02B9F3F-3042-489F-AF35-1A733968F079}" type="slidenum">
-              <a:rPr lang="en-US" smtClean="0"/>
-              <a:pPr/>
-              <a:t>9</a:t>
-            </a:fld>
-            <a:endParaRPr lang="en-US"/>
+            <a:pPr eaLnBrk="1" hangingPunct="1"/>
+            <a:endParaRPr lang="en-US" smtClean="0">
+              <a:cs typeface="Arial" charset="0"/>
+            </a:endParaRPr>
           </a:p>
         </p:txBody>
       </p:sp>
@@ -5364,13 +5285,7 @@
               <a:rPr lang="en-US" sz="1100" baseline="0" dirty="0" smtClean="0">
                 <a:latin typeface="Comic Sans MS" pitchFamily="66" charset="0"/>
               </a:rPr>
-              <a:t>February </a:t>
-            </a:r>
-            <a:r>
-              <a:rPr lang="en-US" sz="1100" baseline="0" dirty="0" smtClean="0">
-                <a:latin typeface="Comic Sans MS" pitchFamily="66" charset="0"/>
-              </a:rPr>
-              <a:t>15</a:t>
+              <a:t>February 15</a:t>
             </a:r>
             <a:r>
               <a:rPr lang="en-US" sz="1100" dirty="0" smtClean="0">
@@ -5410,17 +5325,8 @@
               <a:rPr lang="en-US" sz="1000" dirty="0" smtClean="0">
                 <a:latin typeface="Comic Sans MS" pitchFamily="66" charset="0"/>
               </a:rPr>
-              <a:t>Albert R </a:t>
-            </a:r>
-            <a:r>
-              <a:rPr lang="en-US" sz="1000" dirty="0" smtClean="0">
-                <a:latin typeface="Comic Sans MS" pitchFamily="66" charset="0"/>
-              </a:rPr>
-              <a:t>Meyer, 2017</a:t>
-            </a:r>
-            <a:endParaRPr lang="en-US" sz="1000" dirty="0" smtClean="0">
-              <a:latin typeface="Comic Sans MS" pitchFamily="66" charset="0"/>
-            </a:endParaRPr>
+              <a:t>Albert R Meyer, 2017</a:t>
+            </a:r>
           </a:p>
         </p:txBody>
       </p:sp>
@@ -6863,7 +6769,12 @@
             <p:ph type="title"/>
           </p:nvPr>
         </p:nvSpPr>
-        <p:spPr/>
+        <p:spPr>
+          <a:xfrm>
+            <a:off x="1691010" y="277779"/>
+            <a:ext cx="6456507" cy="1154277"/>
+          </a:xfrm>
+        </p:spPr>
         <p:txBody>
           <a:bodyPr/>
           <a:lstStyle/>
@@ -6871,16 +6782,214 @@
             <a:r>
               <a:rPr lang="en-US" dirty="0" smtClean="0">
                 <a:solidFill>
-                  <a:srgbClr val="BB0FAB"/>
+                  <a:schemeClr val="accent6"/>
                 </a:solidFill>
               </a:rPr>
-              <a:t>modus ponens</a:t>
+              <a:t>False</a:t>
             </a:r>
             <a:r>
               <a:rPr lang="en-US" dirty="0" smtClean="0"/>
-              <a:t> rule</a:t>
+              <a:t> implies </a:t>
+            </a:r>
+            <a:r>
+              <a:rPr lang="en-US" dirty="0" smtClean="0">
+                <a:solidFill>
+                  <a:srgbClr val="B90000"/>
+                </a:solidFill>
+              </a:rPr>
+              <a:t>False</a:t>
+            </a:r>
+            <a:r>
+              <a:rPr lang="en-US" dirty="0" smtClean="0"/>
+              <a:t>?</a:t>
             </a:r>
             <a:endParaRPr lang="en-US" dirty="0"/>
+          </a:p>
+        </p:txBody>
+      </p:sp>
+      <p:sp>
+        <p:nvSpPr>
+          <p:cNvPr id="3" name="Content Placeholder 2"/>
+          <p:cNvSpPr>
+            <a:spLocks noGrp="1"/>
+          </p:cNvSpPr>
+          <p:nvPr>
+            <p:ph idx="1"/>
+          </p:nvPr>
+        </p:nvSpPr>
+        <p:spPr>
+          <a:xfrm>
+            <a:off x="418861" y="1553646"/>
+            <a:ext cx="8269121" cy="3985443"/>
+          </a:xfrm>
+        </p:spPr>
+        <p:txBody>
+          <a:bodyPr/>
+          <a:lstStyle/>
+          <a:p>
+            <a:r>
+              <a:rPr lang="en-US" sz="4800" dirty="0" smtClean="0"/>
+              <a:t>Having </a:t>
+            </a:r>
+            <a:r>
+              <a:rPr lang="en-US" sz="4800" dirty="0" smtClean="0">
+                <a:solidFill>
+                  <a:schemeClr val="accent1">
+                    <a:lumMod val="50000"/>
+                  </a:schemeClr>
+                </a:solidFill>
+              </a:rPr>
+              <a:t>P </a:t>
+            </a:r>
+            <a:r>
+              <a:rPr lang="en-US" sz="4000" dirty="0" smtClean="0">
+                <a:solidFill>
+                  <a:schemeClr val="accent1">
+                    <a:lumMod val="50000"/>
+                  </a:schemeClr>
+                </a:solidFill>
+              </a:rPr>
+              <a:t>IMPLIES</a:t>
+            </a:r>
+            <a:r>
+              <a:rPr lang="en-US" sz="4800" dirty="0" smtClean="0">
+                <a:solidFill>
+                  <a:schemeClr val="accent1">
+                    <a:lumMod val="50000"/>
+                  </a:schemeClr>
+                </a:solidFill>
+              </a:rPr>
+              <a:t> Q</a:t>
+            </a:r>
+            <a:r>
+              <a:rPr lang="en-US" sz="4800" dirty="0" smtClean="0">
+                <a:solidFill>
+                  <a:schemeClr val="tx2"/>
+                </a:solidFill>
+              </a:rPr>
+              <a:t> be </a:t>
+            </a:r>
+            <a:r>
+              <a:rPr lang="en-US" sz="4800" dirty="0" smtClean="0">
+                <a:solidFill>
+                  <a:srgbClr val="006600"/>
+                </a:solidFill>
+              </a:rPr>
+              <a:t>T </a:t>
+            </a:r>
+            <a:r>
+              <a:rPr lang="en-US" sz="4800" dirty="0" smtClean="0"/>
+              <a:t>when </a:t>
+            </a:r>
+            <a:r>
+              <a:rPr lang="en-US" sz="4800" dirty="0" smtClean="0">
+                <a:solidFill>
+                  <a:schemeClr val="accent1">
+                    <a:lumMod val="50000"/>
+                  </a:schemeClr>
+                </a:solidFill>
+              </a:rPr>
+              <a:t>P</a:t>
+            </a:r>
+            <a:r>
+              <a:rPr lang="en-US" sz="4800" dirty="0" smtClean="0"/>
+              <a:t> and </a:t>
+            </a:r>
+            <a:r>
+              <a:rPr lang="en-US" sz="4800" dirty="0" smtClean="0">
+                <a:solidFill>
+                  <a:srgbClr val="0000E5"/>
+                </a:solidFill>
+              </a:rPr>
+              <a:t>Q</a:t>
+            </a:r>
+            <a:r>
+              <a:rPr lang="en-US" sz="4800" dirty="0" smtClean="0"/>
+              <a:t> are both </a:t>
+            </a:r>
+            <a:r>
+              <a:rPr lang="en-US" sz="4800" dirty="0" smtClean="0">
+                <a:solidFill>
+                  <a:srgbClr val="FF0000"/>
+                </a:solidFill>
+              </a:rPr>
+              <a:t>F</a:t>
+            </a:r>
+            <a:r>
+              <a:rPr lang="en-US" sz="4800" dirty="0" smtClean="0"/>
+              <a:t> clashes with the idea that “implies”</a:t>
+            </a:r>
+            <a:r>
+              <a:rPr lang="en-US" sz="4800" dirty="0" smtClean="0">
+                <a:solidFill>
+                  <a:schemeClr val="accent1">
+                    <a:lumMod val="50000"/>
+                  </a:schemeClr>
+                </a:solidFill>
+              </a:rPr>
+              <a:t> </a:t>
+            </a:r>
+            <a:r>
+              <a:rPr lang="en-US" sz="4800" dirty="0" smtClean="0">
+                <a:solidFill>
+                  <a:schemeClr val="tx2"/>
+                </a:solidFill>
+              </a:rPr>
+              <a:t>indicates that </a:t>
+            </a:r>
+            <a:r>
+              <a:rPr lang="en-US" sz="4800" dirty="0" smtClean="0">
+                <a:solidFill>
+                  <a:schemeClr val="accent5">
+                    <a:lumMod val="50000"/>
+                  </a:schemeClr>
+                </a:solidFill>
+              </a:rPr>
+              <a:t>P </a:t>
+            </a:r>
+            <a:r>
+              <a:rPr lang="en-US" sz="4800" dirty="0" smtClean="0">
+                <a:solidFill>
+                  <a:srgbClr val="000000"/>
+                </a:solidFill>
+              </a:rPr>
+              <a:t>somehow</a:t>
+            </a:r>
+            <a:r>
+              <a:rPr lang="en-US" sz="4800" dirty="0" smtClean="0">
+                <a:solidFill>
+                  <a:schemeClr val="accent5">
+                    <a:lumMod val="50000"/>
+                  </a:schemeClr>
+                </a:solidFill>
+              </a:rPr>
+              <a:t> </a:t>
+            </a:r>
+            <a:r>
+              <a:rPr lang="en-US" sz="4800" dirty="0" smtClean="0">
+                <a:solidFill>
+                  <a:srgbClr val="800000"/>
+                </a:solidFill>
+              </a:rPr>
+              <a:t>causes</a:t>
+            </a:r>
+            <a:r>
+              <a:rPr lang="en-US" sz="4800" dirty="0" smtClean="0">
+                <a:solidFill>
+                  <a:schemeClr val="accent5">
+                    <a:lumMod val="50000"/>
+                  </a:schemeClr>
+                </a:solidFill>
+              </a:rPr>
+              <a:t> Q.</a:t>
+            </a:r>
+            <a:endParaRPr lang="en-US" sz="4800" dirty="0">
+              <a:solidFill>
+                <a:schemeClr val="accent5">
+                  <a:lumMod val="50000"/>
+                </a:schemeClr>
+              </a:solidFill>
+            </a:endParaRPr>
           </a:p>
         </p:txBody>
       </p:sp>
@@ -6894,12 +7003,7 @@
             <p:ph type="sldNum" sz="quarter" idx="10"/>
           </p:nvPr>
         </p:nvSpPr>
-        <p:spPr>
-          <a:xfrm>
-            <a:off x="8117085" y="6553200"/>
-            <a:ext cx="1026919" cy="276999"/>
-          </a:xfrm>
-        </p:spPr>
+        <p:spPr/>
         <p:txBody>
           <a:bodyPr/>
           <a:lstStyle/>
@@ -6908,7 +7012,7 @@
               <a:defRPr/>
             </a:pPr>
             <a:r>
-              <a:rPr lang="en-US" dirty="0" smtClean="0"/>
+              <a:rPr lang="en-US" smtClean="0"/>
               <a:t>IMPLIES..</a:t>
             </a:r>
             <a:fld id="{A528ADE2-B74F-4D9D-8D04-FB5D781EAB51}" type="slidenum">
@@ -6922,181 +7026,10 @@
           </a:p>
         </p:txBody>
       </p:sp>
-      <p:graphicFrame>
-        <p:nvGraphicFramePr>
-          <p:cNvPr id="5" name="Object 4"/>
-          <p:cNvGraphicFramePr>
-            <a:graphicFrameLocks noChangeAspect="1"/>
-          </p:cNvGraphicFramePr>
-          <p:nvPr>
-            <p:extLst>
-              <p:ext uri="{D42A27DB-BD31-4B8C-83A1-F6EECF244321}">
-                <p14:modId xmlns:p14="http://schemas.microsoft.com/office/powerpoint/2010/main" val="4009171247"/>
-              </p:ext>
-            </p:extLst>
-          </p:nvPr>
-        </p:nvGraphicFramePr>
-        <p:xfrm>
-          <a:off x="1476294" y="2233074"/>
-          <a:ext cx="5794456" cy="2429933"/>
-        </p:xfrm>
-        <a:graphic>
-          <a:graphicData uri="http://schemas.openxmlformats.org/presentationml/2006/ole">
-            <mc:AlternateContent xmlns:mc="http://schemas.openxmlformats.org/markup-compatibility/2006">
-              <mc:Choice xmlns:v="urn:schemas-microsoft-com:vml" Requires="v">
-                <p:oleObj spid="_x0000_s1120" name="Equation" r:id="rId3" imgW="1181100" imgH="495300" progId="Equation.DSMT4">
-                  <p:embed/>
-                </p:oleObj>
-              </mc:Choice>
-              <mc:Fallback>
-                <p:oleObj name="Equation" r:id="rId3" imgW="1181100" imgH="495300" progId="Equation.DSMT4">
-                  <p:embed/>
-                  <p:pic>
-                    <p:nvPicPr>
-                      <p:cNvPr id="0" name=""/>
-                      <p:cNvPicPr/>
-                      <p:nvPr/>
-                    </p:nvPicPr>
-                    <p:blipFill>
-                      <a:blip r:embed="rId4"/>
-                      <a:stretch>
-                        <a:fillRect/>
-                      </a:stretch>
-                    </p:blipFill>
-                    <p:spPr>
-                      <a:xfrm>
-                        <a:off x="1476294" y="2233074"/>
-                        <a:ext cx="5794456" cy="2429933"/>
-                      </a:xfrm>
-                      <a:prstGeom prst="rect">
-                        <a:avLst/>
-                      </a:prstGeom>
-                    </p:spPr>
-                  </p:pic>
-                </p:oleObj>
-              </mc:Fallback>
-            </mc:AlternateContent>
-          </a:graphicData>
-        </a:graphic>
-      </p:graphicFrame>
-      <p:graphicFrame>
-        <p:nvGraphicFramePr>
-          <p:cNvPr id="6" name="Object 5"/>
-          <p:cNvGraphicFramePr>
-            <a:graphicFrameLocks noChangeAspect="1"/>
-          </p:cNvGraphicFramePr>
-          <p:nvPr>
-            <p:extLst>
-              <p:ext uri="{D42A27DB-BD31-4B8C-83A1-F6EECF244321}">
-                <p14:modId xmlns:p14="http://schemas.microsoft.com/office/powerpoint/2010/main" val="2134282266"/>
-              </p:ext>
-            </p:extLst>
-          </p:nvPr>
-        </p:nvGraphicFramePr>
-        <p:xfrm>
-          <a:off x="1453060" y="663576"/>
-          <a:ext cx="5658909" cy="3396925"/>
-        </p:xfrm>
-        <a:graphic>
-          <a:graphicData uri="http://schemas.openxmlformats.org/presentationml/2006/ole">
-            <mc:AlternateContent xmlns:mc="http://schemas.openxmlformats.org/markup-compatibility/2006">
-              <mc:Choice xmlns:v="urn:schemas-microsoft-com:vml" Requires="v">
-                <p:oleObj spid="_x0000_s1121" name="Equation" r:id="rId5" imgW="762000" imgH="457200" progId="Equation.DSMT4">
-                  <p:embed/>
-                </p:oleObj>
-              </mc:Choice>
-              <mc:Fallback>
-                <p:oleObj name="Equation" r:id="rId5" imgW="762000" imgH="457200" progId="Equation.DSMT4">
-                  <p:embed/>
-                  <p:pic>
-                    <p:nvPicPr>
-                      <p:cNvPr id="0" name=""/>
-                      <p:cNvPicPr/>
-                      <p:nvPr/>
-                    </p:nvPicPr>
-                    <p:blipFill>
-                      <a:blip r:embed="rId6"/>
-                      <a:stretch>
-                        <a:fillRect/>
-                      </a:stretch>
-                    </p:blipFill>
-                    <p:spPr>
-                      <a:xfrm>
-                        <a:off x="1453060" y="663576"/>
-                        <a:ext cx="5658909" cy="3396925"/>
-                      </a:xfrm>
-                      <a:prstGeom prst="rect">
-                        <a:avLst/>
-                      </a:prstGeom>
-                    </p:spPr>
-                  </p:pic>
-                </p:oleObj>
-              </mc:Fallback>
-            </mc:AlternateContent>
-          </a:graphicData>
-        </a:graphic>
-      </p:graphicFrame>
-      <p:graphicFrame>
-        <p:nvGraphicFramePr>
-          <p:cNvPr id="7" name="Object 6"/>
-          <p:cNvGraphicFramePr>
-            <a:graphicFrameLocks noChangeAspect="1"/>
-          </p:cNvGraphicFramePr>
-          <p:nvPr>
-            <p:extLst>
-              <p:ext uri="{D42A27DB-BD31-4B8C-83A1-F6EECF244321}">
-                <p14:modId xmlns:p14="http://schemas.microsoft.com/office/powerpoint/2010/main" val="137192701"/>
-              </p:ext>
-            </p:extLst>
-          </p:nvPr>
-        </p:nvGraphicFramePr>
-        <p:xfrm>
-          <a:off x="3384550" y="3429000"/>
-          <a:ext cx="2033588" cy="1976438"/>
-        </p:xfrm>
-        <a:graphic>
-          <a:graphicData uri="http://schemas.openxmlformats.org/presentationml/2006/ole">
-            <mc:AlternateContent xmlns:mc="http://schemas.openxmlformats.org/markup-compatibility/2006">
-              <mc:Choice xmlns:v="urn:schemas-microsoft-com:vml" Requires="v">
-                <p:oleObj spid="_x0000_s1122" name="Equation" r:id="rId7" imgW="444500" imgH="431800" progId="Equation.DSMT4">
-                  <p:embed/>
-                </p:oleObj>
-              </mc:Choice>
-              <mc:Fallback>
-                <p:oleObj name="Equation" r:id="rId7" imgW="444500" imgH="431800" progId="Equation.DSMT4">
-                  <p:embed/>
-                  <p:pic>
-                    <p:nvPicPr>
-                      <p:cNvPr id="0" name=""/>
-                      <p:cNvPicPr/>
-                      <p:nvPr/>
-                    </p:nvPicPr>
-                    <p:blipFill>
-                      <a:blip r:embed="rId8"/>
-                      <a:stretch>
-                        <a:fillRect/>
-                      </a:stretch>
-                    </p:blipFill>
-                    <p:spPr>
-                      <a:xfrm>
-                        <a:off x="3384550" y="3429000"/>
-                        <a:ext cx="2033588" cy="1976438"/>
-                      </a:xfrm>
-                      <a:prstGeom prst="rect">
-                        <a:avLst/>
-                      </a:prstGeom>
-                    </p:spPr>
-                  </p:pic>
-                </p:oleObj>
-              </mc:Fallback>
-            </mc:AlternateContent>
-          </a:graphicData>
-        </a:graphic>
-      </p:graphicFrame>
     </p:spTree>
     <p:extLst>
       <p:ext uri="{BB962C8B-B14F-4D97-AF65-F5344CB8AC3E}">
-        <p14:creationId xmlns:p14="http://schemas.microsoft.com/office/powerpoint/2010/main" val="3165137657"/>
+        <p14:creationId xmlns:p14="http://schemas.microsoft.com/office/powerpoint/2010/main" val="3916521618"/>
       </p:ext>
     </p:extLst>
   </p:cSld>
@@ -7106,6 +7039,337 @@
   <p:transition xmlns:p14="http://schemas.microsoft.com/office/powerpoint/2010/main" spd="slow" advClick="0">
     <p:fade thruBlk="1"/>
   </p:transition>
+  <p:timing>
+    <p:tnLst>
+      <p:par>
+        <p:cTn xmlns:p14="http://schemas.microsoft.com/office/powerpoint/2010/main" id="1" dur="indefinite" restart="never" nodeType="tmRoot"/>
+      </p:par>
+    </p:tnLst>
+  </p:timing>
+</p:sld>
+</file>
+
+<file path=ppt/slides/slide11.xml><?xml version="1.0" encoding="utf-8"?>
+<p:sld xmlns:a="http://schemas.openxmlformats.org/drawingml/2006/main" xmlns:r="http://schemas.openxmlformats.org/officeDocument/2006/relationships" xmlns:p="http://schemas.openxmlformats.org/presentationml/2006/main">
+  <p:cSld>
+    <p:spTree>
+      <p:nvGrpSpPr>
+        <p:cNvPr id="1" name=""/>
+        <p:cNvGrpSpPr/>
+        <p:nvPr/>
+      </p:nvGrpSpPr>
+      <p:grpSpPr>
+        <a:xfrm>
+          <a:off x="0" y="0"/>
+          <a:ext cx="0" cy="0"/>
+          <a:chOff x="0" y="0"/>
+          <a:chExt cx="0" cy="0"/>
+        </a:xfrm>
+      </p:grpSpPr>
+      <p:sp>
+        <p:nvSpPr>
+          <p:cNvPr id="3" name="Content Placeholder 2"/>
+          <p:cNvSpPr>
+            <a:spLocks noGrp="1"/>
+          </p:cNvSpPr>
+          <p:nvPr>
+            <p:ph idx="1"/>
+          </p:nvPr>
+        </p:nvSpPr>
+        <p:spPr>
+          <a:xfrm>
+            <a:off x="418861" y="1553646"/>
+            <a:ext cx="8404238" cy="4755511"/>
+          </a:xfrm>
+        </p:spPr>
+        <p:txBody>
+          <a:bodyPr/>
+          <a:lstStyle/>
+          <a:p>
+            <a:r>
+              <a:rPr lang="en-US" sz="4800" dirty="0" smtClean="0">
+                <a:solidFill>
+                  <a:srgbClr val="000000"/>
+                </a:solidFill>
+              </a:rPr>
+              <a:t>“If he had slept more, he would have gotten an A.”</a:t>
+            </a:r>
+          </a:p>
+        </p:txBody>
+      </p:sp>
+      <p:sp>
+        <p:nvSpPr>
+          <p:cNvPr id="4" name="Slide Number Placeholder 3"/>
+          <p:cNvSpPr>
+            <a:spLocks noGrp="1"/>
+          </p:cNvSpPr>
+          <p:nvPr>
+            <p:ph type="sldNum" sz="quarter" idx="10"/>
+          </p:nvPr>
+        </p:nvSpPr>
+        <p:spPr/>
+        <p:txBody>
+          <a:bodyPr/>
+          <a:lstStyle/>
+          <a:p>
+            <a:pPr>
+              <a:defRPr/>
+            </a:pPr>
+            <a:r>
+              <a:rPr lang="en-US" smtClean="0"/>
+              <a:t>IMPLIES..</a:t>
+            </a:r>
+            <a:fld id="{A528ADE2-B74F-4D9D-8D04-FB5D781EAB51}" type="slidenum">
+              <a:rPr lang="en-US" smtClean="0"/>
+              <a:pPr>
+                <a:defRPr/>
+              </a:pPr>
+              <a:t>11</a:t>
+            </a:fld>
+            <a:endParaRPr lang="en-US" dirty="0"/>
+          </a:p>
+        </p:txBody>
+      </p:sp>
+      <p:sp>
+        <p:nvSpPr>
+          <p:cNvPr id="8" name="Title 4"/>
+          <p:cNvSpPr>
+            <a:spLocks noGrp="1"/>
+          </p:cNvSpPr>
+          <p:nvPr>
+            <p:ph type="title"/>
+          </p:nvPr>
+        </p:nvSpPr>
+        <p:spPr>
+          <a:xfrm>
+            <a:off x="2042312" y="277779"/>
+            <a:ext cx="5943065" cy="1167787"/>
+          </a:xfrm>
+        </p:spPr>
+        <p:txBody>
+          <a:bodyPr/>
+          <a:lstStyle/>
+          <a:p>
+            <a:r>
+              <a:rPr lang="en-US" dirty="0" smtClean="0">
+                <a:solidFill>
+                  <a:srgbClr val="BB0FAB"/>
+                </a:solidFill>
+              </a:rPr>
+              <a:t>Causal</a:t>
+            </a:r>
+            <a:r>
+              <a:rPr lang="en-US" dirty="0" smtClean="0"/>
+              <a:t> Implication?</a:t>
+            </a:r>
+            <a:endParaRPr lang="en-US" dirty="0"/>
+          </a:p>
+        </p:txBody>
+      </p:sp>
+    </p:spTree>
+    <p:extLst>
+      <p:ext uri="{BB962C8B-B14F-4D97-AF65-F5344CB8AC3E}">
+        <p14:creationId xmlns:p14="http://schemas.microsoft.com/office/powerpoint/2010/main" val="1327842891"/>
+      </p:ext>
+    </p:extLst>
+  </p:cSld>
+  <p:clrMapOvr>
+    <a:masterClrMapping/>
+  </p:clrMapOvr>
+  <p:transition xmlns:p14="http://schemas.microsoft.com/office/powerpoint/2010/main" spd="slow" advClick="0">
+    <p:fade/>
+  </p:transition>
+  <p:timing>
+    <p:tnLst>
+      <p:par>
+        <p:cTn xmlns:p14="http://schemas.microsoft.com/office/powerpoint/2010/main" id="1" dur="indefinite" restart="never" nodeType="tmRoot"/>
+      </p:par>
+    </p:tnLst>
+  </p:timing>
+</p:sld>
+</file>
+
+<file path=ppt/slides/slide12.xml><?xml version="1.0" encoding="utf-8"?>
+<p:sld xmlns:a="http://schemas.openxmlformats.org/drawingml/2006/main" xmlns:r="http://schemas.openxmlformats.org/officeDocument/2006/relationships" xmlns:p="http://schemas.openxmlformats.org/presentationml/2006/main">
+  <p:cSld>
+    <p:spTree>
+      <p:nvGrpSpPr>
+        <p:cNvPr id="1" name=""/>
+        <p:cNvGrpSpPr/>
+        <p:nvPr/>
+      </p:nvGrpSpPr>
+      <p:grpSpPr>
+        <a:xfrm>
+          <a:off x="0" y="0"/>
+          <a:ext cx="0" cy="0"/>
+          <a:chOff x="0" y="0"/>
+          <a:chExt cx="0" cy="0"/>
+        </a:xfrm>
+      </p:grpSpPr>
+      <p:sp>
+        <p:nvSpPr>
+          <p:cNvPr id="3" name="Content Placeholder 2"/>
+          <p:cNvSpPr>
+            <a:spLocks noGrp="1"/>
+          </p:cNvSpPr>
+          <p:nvPr>
+            <p:ph idx="1"/>
+          </p:nvPr>
+        </p:nvSpPr>
+        <p:spPr>
+          <a:xfrm>
+            <a:off x="418861" y="1459076"/>
+            <a:ext cx="8404238" cy="4755511"/>
+          </a:xfrm>
+        </p:spPr>
+        <p:txBody>
+          <a:bodyPr/>
+          <a:lstStyle/>
+          <a:p>
+            <a:pPr algn="ctr"/>
+            <a:r>
+              <a:rPr lang="en-US" sz="4800" dirty="0" smtClean="0">
+                <a:solidFill>
+                  <a:srgbClr val="000000"/>
+                </a:solidFill>
+              </a:rPr>
+              <a:t>“(slept more) </a:t>
+            </a:r>
+            <a:r>
+              <a:rPr lang="en-US" dirty="0" smtClean="0">
+                <a:solidFill>
+                  <a:schemeClr val="accent1">
+                    <a:lumMod val="50000"/>
+                  </a:schemeClr>
+                </a:solidFill>
+              </a:rPr>
+              <a:t>IMPLIES</a:t>
+            </a:r>
+            <a:r>
+              <a:rPr lang="en-US" sz="4800" dirty="0" smtClean="0">
+                <a:solidFill>
+                  <a:srgbClr val="000000"/>
+                </a:solidFill>
+              </a:rPr>
+              <a:t> A”</a:t>
+            </a:r>
+          </a:p>
+          <a:p>
+            <a:r>
+              <a:rPr lang="en-US" sz="4800" dirty="0" smtClean="0">
+                <a:solidFill>
+                  <a:srgbClr val="000000"/>
+                </a:solidFill>
+              </a:rPr>
+              <a:t>You might claim this was </a:t>
+            </a:r>
+            <a:r>
+              <a:rPr lang="en-US" sz="4800" dirty="0" smtClean="0">
+                <a:solidFill>
+                  <a:srgbClr val="FF0000"/>
+                </a:solidFill>
+              </a:rPr>
+              <a:t>false</a:t>
+            </a:r>
+            <a:endParaRPr lang="en-US" sz="4800" dirty="0">
+              <a:solidFill>
+                <a:srgbClr val="000000"/>
+              </a:solidFill>
+            </a:endParaRPr>
+          </a:p>
+        </p:txBody>
+      </p:sp>
+      <p:sp>
+        <p:nvSpPr>
+          <p:cNvPr id="4" name="Slide Number Placeholder 3"/>
+          <p:cNvSpPr>
+            <a:spLocks noGrp="1"/>
+          </p:cNvSpPr>
+          <p:nvPr>
+            <p:ph type="sldNum" sz="quarter" idx="10"/>
+          </p:nvPr>
+        </p:nvSpPr>
+        <p:spPr/>
+        <p:txBody>
+          <a:bodyPr/>
+          <a:lstStyle/>
+          <a:p>
+            <a:pPr>
+              <a:defRPr/>
+            </a:pPr>
+            <a:r>
+              <a:rPr lang="en-US" smtClean="0"/>
+              <a:t>IMPLIES..</a:t>
+            </a:r>
+            <a:fld id="{A528ADE2-B74F-4D9D-8D04-FB5D781EAB51}" type="slidenum">
+              <a:rPr lang="en-US" smtClean="0"/>
+              <a:pPr>
+                <a:defRPr/>
+              </a:pPr>
+              <a:t>12</a:t>
+            </a:fld>
+            <a:endParaRPr lang="en-US" dirty="0"/>
+          </a:p>
+        </p:txBody>
+      </p:sp>
+      <p:sp>
+        <p:nvSpPr>
+          <p:cNvPr id="6" name="Title 4"/>
+          <p:cNvSpPr>
+            <a:spLocks noGrp="1"/>
+          </p:cNvSpPr>
+          <p:nvPr>
+            <p:ph type="title"/>
+          </p:nvPr>
+        </p:nvSpPr>
+        <p:spPr>
+          <a:xfrm>
+            <a:off x="2042312" y="277779"/>
+            <a:ext cx="5943065" cy="1167787"/>
+          </a:xfrm>
+        </p:spPr>
+        <p:txBody>
+          <a:bodyPr/>
+          <a:lstStyle/>
+          <a:p>
+            <a:r>
+              <a:rPr lang="en-US" dirty="0" smtClean="0">
+                <a:solidFill>
+                  <a:srgbClr val="BB0FAB"/>
+                </a:solidFill>
+              </a:rPr>
+              <a:t>Causal</a:t>
+            </a:r>
+            <a:r>
+              <a:rPr lang="en-US" dirty="0" smtClean="0"/>
+              <a:t> Implication?</a:t>
+            </a:r>
+            <a:endParaRPr lang="en-US" dirty="0"/>
+          </a:p>
+        </p:txBody>
+      </p:sp>
+    </p:spTree>
+    <p:extLst>
+      <p:ext uri="{BB962C8B-B14F-4D97-AF65-F5344CB8AC3E}">
+        <p14:creationId xmlns:p14="http://schemas.microsoft.com/office/powerpoint/2010/main" val="374082411"/>
+      </p:ext>
+    </p:extLst>
+  </p:cSld>
+  <p:clrMapOvr>
+    <a:masterClrMapping/>
+  </p:clrMapOvr>
+  <mc:AlternateContent xmlns:mc="http://schemas.openxmlformats.org/markup-compatibility/2006">
+    <mc:Choice xmlns:p14="http://schemas.microsoft.com/office/powerpoint/2010/main" Requires="p14">
+      <p:transition spd="med" p14:dur="700" advClick="0">
+        <p:fade/>
+      </p:transition>
+    </mc:Choice>
+    <mc:Fallback>
+      <p:transition xmlns:p14="http://schemas.microsoft.com/office/powerpoint/2010/main" spd="med" advClick="0">
+        <p:fade/>
+      </p:transition>
+    </mc:Fallback>
+  </mc:AlternateContent>
   <p:timing>
     <p:tnLst>
       <p:par>
@@ -7127,7 +7391,7 @@
                             </p:stCondLst>
                             <p:childTnLst>
                               <p:par>
-                                <p:cTn id="5" presetID="22" presetClass="entr" presetSubtype="1" fill="hold" nodeType="clickEffect">
+                                <p:cTn id="5" presetID="10" presetClass="entr" presetSubtype="0" fill="hold" nodeType="clickEffect">
                                   <p:stCondLst>
                                     <p:cond delay="0"/>
                                   </p:stCondLst>
@@ -7140,7 +7404,11 @@
                                           </p:stCondLst>
                                         </p:cTn>
                                         <p:tgtEl>
-                                          <p:spTgt spid="6"/>
+                                          <p:spTgt spid="3">
+                                            <p:txEl>
+                                              <p:pRg st="1" end="1"/>
+                                            </p:txEl>
+                                          </p:spTgt>
                                         </p:tgtEl>
                                         <p:attrNameLst>
                                           <p:attrName>style.visibility</p:attrName>
@@ -7150,64 +7418,15 @@
                                         <p:strVal val="visible"/>
                                       </p:to>
                                     </p:set>
-                                    <p:animEffect transition="in" filter="wipe(up)">
+                                    <p:animEffect transition="in" filter="fade">
                                       <p:cBhvr>
-                                        <p:cTn id="7" dur="1000"/>
+                                        <p:cTn id="7" dur="500"/>
                                         <p:tgtEl>
-                                          <p:spTgt spid="6"/>
-                                        </p:tgtEl>
-                                      </p:cBhvr>
-                                    </p:animEffect>
-                                  </p:childTnLst>
-                                </p:cTn>
-                              </p:par>
-                            </p:childTnLst>
-                          </p:cTn>
-                        </p:par>
-                      </p:childTnLst>
-                    </p:cTn>
-                  </p:par>
-                  <p:par>
-                    <p:cTn id="8" fill="hold">
-                      <p:stCondLst>
-                        <p:cond delay="indefinite"/>
-                      </p:stCondLst>
-                      <p:childTnLst>
-                        <p:par>
-                          <p:cTn id="9" fill="hold">
-                            <p:stCondLst>
-                              <p:cond delay="0"/>
-                            </p:stCondLst>
-                            <p:childTnLst>
-                              <p:par>
-                                <p:cTn id="10" presetID="22" presetClass="entr" presetSubtype="4" fill="hold" nodeType="clickEffect">
-                                  <p:stCondLst>
-                                    <p:cond delay="0"/>
-                                  </p:stCondLst>
-                                  <p:childTnLst>
-                                    <p:set>
-                                      <p:cBhvr>
-                                        <p:cTn id="11" dur="1" fill="hold">
-                                          <p:stCondLst>
-                                            <p:cond delay="0"/>
-                                          </p:stCondLst>
-                                        </p:cTn>
-                                        <p:tgtEl>
-                                          <p:spTgt spid="7"/>
-                                        </p:tgtEl>
-                                        <p:attrNameLst>
-                                          <p:attrName>style.visibility</p:attrName>
-                                        </p:attrNameLst>
-                                      </p:cBhvr>
-                                      <p:to>
-                                        <p:strVal val="visible"/>
-                                      </p:to>
-                                    </p:set>
-                                    <p:animEffect transition="in" filter="wipe(down)">
-                                      <p:cBhvr>
-                                        <p:cTn id="12" dur="1000"/>
-                                        <p:tgtEl>
-                                          <p:spTgt spid="7"/>
+                                          <p:spTgt spid="3">
+                                            <p:txEl>
+                                              <p:pRg st="1" end="1"/>
+                                            </p:txEl>
+                                          </p:spTgt>
                                         </p:tgtEl>
                                       </p:cBhvr>
                                     </p:animEffect>
@@ -7245,7 +7464,7 @@
 </p:sld>
 </file>
 
-<file path=ppt/slides/slide11.xml><?xml version="1.0" encoding="utf-8"?>
+<file path=ppt/slides/slide13.xml><?xml version="1.0" encoding="utf-8"?>
 <p:sld xmlns:a="http://schemas.openxmlformats.org/drawingml/2006/main" xmlns:r="http://schemas.openxmlformats.org/officeDocument/2006/relationships" xmlns:p="http://schemas.openxmlformats.org/presentationml/2006/main">
   <p:cSld>
     <p:spTree>
@@ -7264,6 +7483,465 @@
       </p:grpSpPr>
       <p:sp>
         <p:nvSpPr>
+          <p:cNvPr id="3" name="Content Placeholder 2"/>
+          <p:cNvSpPr>
+            <a:spLocks noGrp="1"/>
+          </p:cNvSpPr>
+          <p:nvPr>
+            <p:ph idx="1"/>
+          </p:nvPr>
+        </p:nvSpPr>
+        <p:spPr>
+          <a:xfrm>
+            <a:off x="418861" y="1459076"/>
+            <a:ext cx="8404238" cy="4755511"/>
+          </a:xfrm>
+        </p:spPr>
+        <p:txBody>
+          <a:bodyPr/>
+          <a:lstStyle/>
+          <a:p>
+            <a:pPr algn="ctr"/>
+            <a:r>
+              <a:rPr lang="en-US" sz="4800" dirty="0" smtClean="0">
+                <a:solidFill>
+                  <a:srgbClr val="000000"/>
+                </a:solidFill>
+              </a:rPr>
+              <a:t>“(slept more) </a:t>
+            </a:r>
+            <a:r>
+              <a:rPr lang="en-US" dirty="0" smtClean="0">
+                <a:solidFill>
+                  <a:schemeClr val="accent1">
+                    <a:lumMod val="50000"/>
+                  </a:schemeClr>
+                </a:solidFill>
+              </a:rPr>
+              <a:t>IMPLIES</a:t>
+            </a:r>
+            <a:r>
+              <a:rPr lang="en-US" sz="4800" dirty="0" smtClean="0">
+                <a:solidFill>
+                  <a:srgbClr val="000000"/>
+                </a:solidFill>
+              </a:rPr>
+              <a:t> A”</a:t>
+            </a:r>
+          </a:p>
+          <a:p>
+            <a:r>
+              <a:rPr lang="en-US" sz="4800" dirty="0" smtClean="0">
+                <a:solidFill>
+                  <a:srgbClr val="000000"/>
+                </a:solidFill>
+              </a:rPr>
+              <a:t>You might claim this was </a:t>
+            </a:r>
+            <a:r>
+              <a:rPr lang="en-US" sz="4800" dirty="0" smtClean="0">
+                <a:solidFill>
+                  <a:srgbClr val="FF0000"/>
+                </a:solidFill>
+              </a:rPr>
+              <a:t>false</a:t>
+            </a:r>
+            <a:r>
+              <a:rPr lang="en-US" sz="4800" dirty="0" smtClean="0">
+                <a:solidFill>
+                  <a:srgbClr val="000000"/>
+                </a:solidFill>
+              </a:rPr>
+              <a:t> because </a:t>
+            </a:r>
+            <a:r>
+              <a:rPr lang="en-US" sz="4800" dirty="0">
+                <a:solidFill>
+                  <a:srgbClr val="000000"/>
+                </a:solidFill>
+              </a:rPr>
+              <a:t>the sleepy student with the poor grade also had not </a:t>
+            </a:r>
+            <a:r>
+              <a:rPr lang="en-US" sz="4800" dirty="0" smtClean="0">
+                <a:solidFill>
+                  <a:srgbClr val="000000"/>
+                </a:solidFill>
+              </a:rPr>
+              <a:t>studied</a:t>
+            </a:r>
+            <a:r>
+              <a:rPr lang="is-IS" sz="4800" dirty="0" smtClean="0">
+                <a:solidFill>
+                  <a:srgbClr val="000000"/>
+                </a:solidFill>
+              </a:rPr>
+              <a:t>…</a:t>
+            </a:r>
+            <a:endParaRPr lang="en-US" sz="4800" dirty="0">
+              <a:solidFill>
+                <a:srgbClr val="000000"/>
+              </a:solidFill>
+            </a:endParaRPr>
+          </a:p>
+        </p:txBody>
+      </p:sp>
+      <p:sp>
+        <p:nvSpPr>
+          <p:cNvPr id="4" name="Slide Number Placeholder 3"/>
+          <p:cNvSpPr>
+            <a:spLocks noGrp="1"/>
+          </p:cNvSpPr>
+          <p:nvPr>
+            <p:ph type="sldNum" sz="quarter" idx="10"/>
+          </p:nvPr>
+        </p:nvSpPr>
+        <p:spPr/>
+        <p:txBody>
+          <a:bodyPr/>
+          <a:lstStyle/>
+          <a:p>
+            <a:pPr>
+              <a:defRPr/>
+            </a:pPr>
+            <a:r>
+              <a:rPr lang="en-US" smtClean="0"/>
+              <a:t>IMPLIES..</a:t>
+            </a:r>
+            <a:fld id="{A528ADE2-B74F-4D9D-8D04-FB5D781EAB51}" type="slidenum">
+              <a:rPr lang="en-US" smtClean="0"/>
+              <a:pPr>
+                <a:defRPr/>
+              </a:pPr>
+              <a:t>13</a:t>
+            </a:fld>
+            <a:endParaRPr lang="en-US" dirty="0"/>
+          </a:p>
+        </p:txBody>
+      </p:sp>
+      <p:sp>
+        <p:nvSpPr>
+          <p:cNvPr id="6" name="Title 4"/>
+          <p:cNvSpPr>
+            <a:spLocks noGrp="1"/>
+          </p:cNvSpPr>
+          <p:nvPr>
+            <p:ph type="title"/>
+          </p:nvPr>
+        </p:nvSpPr>
+        <p:spPr>
+          <a:xfrm>
+            <a:off x="2042312" y="277779"/>
+            <a:ext cx="5943065" cy="1167787"/>
+          </a:xfrm>
+        </p:spPr>
+        <p:txBody>
+          <a:bodyPr/>
+          <a:lstStyle/>
+          <a:p>
+            <a:r>
+              <a:rPr lang="en-US" dirty="0" smtClean="0">
+                <a:solidFill>
+                  <a:srgbClr val="BB0FAB"/>
+                </a:solidFill>
+              </a:rPr>
+              <a:t>Causal</a:t>
+            </a:r>
+            <a:r>
+              <a:rPr lang="en-US" dirty="0" smtClean="0"/>
+              <a:t> Implication?</a:t>
+            </a:r>
+            <a:endParaRPr lang="en-US" dirty="0"/>
+          </a:p>
+        </p:txBody>
+      </p:sp>
+    </p:spTree>
+    <p:extLst>
+      <p:ext uri="{BB962C8B-B14F-4D97-AF65-F5344CB8AC3E}">
+        <p14:creationId xmlns:p14="http://schemas.microsoft.com/office/powerpoint/2010/main" val="2650878360"/>
+      </p:ext>
+    </p:extLst>
+  </p:cSld>
+  <p:clrMapOvr>
+    <a:masterClrMapping/>
+  </p:clrMapOvr>
+  <mc:AlternateContent xmlns:mc="http://schemas.openxmlformats.org/markup-compatibility/2006">
+    <mc:Choice xmlns:p14="http://schemas.microsoft.com/office/powerpoint/2010/main" Requires="p14">
+      <p:transition p14:dur="400" advClick="0">
+        <p:fade/>
+      </p:transition>
+    </mc:Choice>
+    <mc:Fallback>
+      <p:transition xmlns:p14="http://schemas.microsoft.com/office/powerpoint/2010/main" advClick="0">
+        <p:fade/>
+      </p:transition>
+    </mc:Fallback>
+  </mc:AlternateContent>
+  <p:timing>
+    <p:tnLst>
+      <p:par>
+        <p:cTn xmlns:p14="http://schemas.microsoft.com/office/powerpoint/2010/main" id="1" dur="indefinite" restart="never" nodeType="tmRoot"/>
+      </p:par>
+    </p:tnLst>
+  </p:timing>
+</p:sld>
+</file>
+
+<file path=ppt/slides/slide14.xml><?xml version="1.0" encoding="utf-8"?>
+<p:sld xmlns:a="http://schemas.openxmlformats.org/drawingml/2006/main" xmlns:r="http://schemas.openxmlformats.org/officeDocument/2006/relationships" xmlns:p="http://schemas.openxmlformats.org/presentationml/2006/main">
+  <p:cSld>
+    <p:spTree>
+      <p:nvGrpSpPr>
+        <p:cNvPr id="1" name=""/>
+        <p:cNvGrpSpPr/>
+        <p:nvPr/>
+      </p:nvGrpSpPr>
+      <p:grpSpPr>
+        <a:xfrm>
+          <a:off x="0" y="0"/>
+          <a:ext cx="0" cy="0"/>
+          <a:chOff x="0" y="0"/>
+          <a:chExt cx="0" cy="0"/>
+        </a:xfrm>
+      </p:grpSpPr>
+      <p:sp>
+        <p:nvSpPr>
+          <p:cNvPr id="3" name="Content Placeholder 2"/>
+          <p:cNvSpPr>
+            <a:spLocks noGrp="1"/>
+          </p:cNvSpPr>
+          <p:nvPr>
+            <p:ph idx="1"/>
+          </p:nvPr>
+        </p:nvSpPr>
+        <p:spPr>
+          <a:xfrm>
+            <a:off x="418861" y="1459076"/>
+            <a:ext cx="8404238" cy="4755511"/>
+          </a:xfrm>
+        </p:spPr>
+        <p:txBody>
+          <a:bodyPr/>
+          <a:lstStyle/>
+          <a:p>
+            <a:pPr algn="ctr"/>
+            <a:r>
+              <a:rPr lang="en-US" sz="4800" dirty="0" smtClean="0">
+                <a:solidFill>
+                  <a:srgbClr val="000000"/>
+                </a:solidFill>
+              </a:rPr>
+              <a:t>“(slept more) </a:t>
+            </a:r>
+            <a:r>
+              <a:rPr lang="en-US" dirty="0" smtClean="0">
+                <a:solidFill>
+                  <a:schemeClr val="accent1">
+                    <a:lumMod val="50000"/>
+                  </a:schemeClr>
+                </a:solidFill>
+              </a:rPr>
+              <a:t>IMPLIES</a:t>
+            </a:r>
+            <a:r>
+              <a:rPr lang="en-US" sz="4800" dirty="0" smtClean="0">
+                <a:solidFill>
+                  <a:srgbClr val="000000"/>
+                </a:solidFill>
+              </a:rPr>
+              <a:t> A”</a:t>
+            </a:r>
+          </a:p>
+          <a:p>
+            <a:r>
+              <a:rPr lang="en-US" sz="4800" dirty="0" smtClean="0">
+                <a:solidFill>
+                  <a:srgbClr val="000000"/>
+                </a:solidFill>
+              </a:rPr>
+              <a:t>You might claim this was </a:t>
+            </a:r>
+            <a:r>
+              <a:rPr lang="en-US" sz="4800" dirty="0" smtClean="0">
+                <a:solidFill>
+                  <a:srgbClr val="FF0000"/>
+                </a:solidFill>
+              </a:rPr>
+              <a:t>false</a:t>
+            </a:r>
+            <a:r>
+              <a:rPr lang="en-US" sz="4800" dirty="0" smtClean="0">
+                <a:solidFill>
+                  <a:srgbClr val="000000"/>
+                </a:solidFill>
+              </a:rPr>
+              <a:t> because</a:t>
+            </a:r>
+          </a:p>
+          <a:p>
+            <a:r>
+              <a:rPr lang="is-IS" sz="4800" dirty="0" smtClean="0">
+                <a:solidFill>
+                  <a:srgbClr val="000000"/>
+                </a:solidFill>
+              </a:rPr>
+              <a:t>…</a:t>
+            </a:r>
+            <a:r>
+              <a:rPr lang="en-US" sz="4800" dirty="0" smtClean="0">
+                <a:solidFill>
+                  <a:srgbClr val="000000"/>
+                </a:solidFill>
+              </a:rPr>
+              <a:t>lack </a:t>
+            </a:r>
+            <a:r>
+              <a:rPr lang="en-US" sz="4800" dirty="0">
+                <a:solidFill>
+                  <a:srgbClr val="000000"/>
+                </a:solidFill>
+              </a:rPr>
+              <a:t>of sleep was not a </a:t>
+            </a:r>
+            <a:r>
+              <a:rPr lang="en-US" sz="4800" dirty="0">
+                <a:solidFill>
+                  <a:srgbClr val="BB0FAB"/>
+                </a:solidFill>
+              </a:rPr>
+              <a:t>cause</a:t>
+            </a:r>
+            <a:r>
+              <a:rPr lang="en-US" sz="4800" dirty="0">
+                <a:solidFill>
+                  <a:srgbClr val="000000"/>
+                </a:solidFill>
+              </a:rPr>
+              <a:t> of the poor grade.</a:t>
+            </a:r>
+          </a:p>
+        </p:txBody>
+      </p:sp>
+      <p:sp>
+        <p:nvSpPr>
+          <p:cNvPr id="4" name="Slide Number Placeholder 3"/>
+          <p:cNvSpPr>
+            <a:spLocks noGrp="1"/>
+          </p:cNvSpPr>
+          <p:nvPr>
+            <p:ph type="sldNum" sz="quarter" idx="10"/>
+          </p:nvPr>
+        </p:nvSpPr>
+        <p:spPr/>
+        <p:txBody>
+          <a:bodyPr/>
+          <a:lstStyle/>
+          <a:p>
+            <a:pPr>
+              <a:defRPr/>
+            </a:pPr>
+            <a:r>
+              <a:rPr lang="en-US" smtClean="0"/>
+              <a:t>IMPLIES..</a:t>
+            </a:r>
+            <a:fld id="{A528ADE2-B74F-4D9D-8D04-FB5D781EAB51}" type="slidenum">
+              <a:rPr lang="en-US" smtClean="0"/>
+              <a:pPr>
+                <a:defRPr/>
+              </a:pPr>
+              <a:t>14</a:t>
+            </a:fld>
+            <a:endParaRPr lang="en-US" dirty="0"/>
+          </a:p>
+        </p:txBody>
+      </p:sp>
+      <p:sp>
+        <p:nvSpPr>
+          <p:cNvPr id="6" name="Title 4"/>
+          <p:cNvSpPr>
+            <a:spLocks noGrp="1"/>
+          </p:cNvSpPr>
+          <p:nvPr>
+            <p:ph type="title"/>
+          </p:nvPr>
+        </p:nvSpPr>
+        <p:spPr>
+          <a:xfrm>
+            <a:off x="2042312" y="277779"/>
+            <a:ext cx="5943065" cy="1167787"/>
+          </a:xfrm>
+        </p:spPr>
+        <p:txBody>
+          <a:bodyPr/>
+          <a:lstStyle/>
+          <a:p>
+            <a:r>
+              <a:rPr lang="en-US" dirty="0" smtClean="0">
+                <a:solidFill>
+                  <a:srgbClr val="BB0FAB"/>
+                </a:solidFill>
+              </a:rPr>
+              <a:t>Causal</a:t>
+            </a:r>
+            <a:r>
+              <a:rPr lang="en-US" dirty="0" smtClean="0"/>
+              <a:t> Implication?</a:t>
+            </a:r>
+            <a:endParaRPr lang="en-US" dirty="0"/>
+          </a:p>
+        </p:txBody>
+      </p:sp>
+    </p:spTree>
+    <p:extLst>
+      <p:ext uri="{BB962C8B-B14F-4D97-AF65-F5344CB8AC3E}">
+        <p14:creationId xmlns:p14="http://schemas.microsoft.com/office/powerpoint/2010/main" val="1477465612"/>
+      </p:ext>
+    </p:extLst>
+  </p:cSld>
+  <p:clrMapOvr>
+    <a:masterClrMapping/>
+  </p:clrMapOvr>
+  <mc:AlternateContent xmlns:mc="http://schemas.openxmlformats.org/markup-compatibility/2006">
+    <mc:Choice xmlns:p14="http://schemas.microsoft.com/office/powerpoint/2010/main" Requires="p14">
+      <p:transition p14:dur="400" advClick="0">
+        <p:fade/>
+      </p:transition>
+    </mc:Choice>
+    <mc:Fallback>
+      <p:transition xmlns:p14="http://schemas.microsoft.com/office/powerpoint/2010/main" advClick="0">
+        <p:fade/>
+      </p:transition>
+    </mc:Fallback>
+  </mc:AlternateContent>
+  <p:timing>
+    <p:tnLst>
+      <p:par>
+        <p:cTn xmlns:p14="http://schemas.microsoft.com/office/powerpoint/2010/main" id="1" dur="indefinite" restart="never" nodeType="tmRoot"/>
+      </p:par>
+    </p:tnLst>
+  </p:timing>
+</p:sld>
+</file>
+
+<file path=ppt/slides/slide15.xml><?xml version="1.0" encoding="utf-8"?>
+<p:sld xmlns:a="http://schemas.openxmlformats.org/drawingml/2006/main" xmlns:r="http://schemas.openxmlformats.org/officeDocument/2006/relationships" xmlns:p="http://schemas.openxmlformats.org/presentationml/2006/main">
+  <p:cSld>
+    <p:spTree>
+      <p:nvGrpSpPr>
+        <p:cNvPr id="1" name=""/>
+        <p:cNvGrpSpPr/>
+        <p:nvPr/>
+      </p:nvGrpSpPr>
+      <p:grpSpPr>
+        <a:xfrm>
+          <a:off x="0" y="0"/>
+          <a:ext cx="0" cy="0"/>
+          <a:chOff x="0" y="0"/>
+          <a:chExt cx="0" cy="0"/>
+        </a:xfrm>
+      </p:grpSpPr>
+      <p:sp>
+        <p:nvSpPr>
           <p:cNvPr id="2" name="Title 1"/>
           <p:cNvSpPr>
             <a:spLocks noGrp="1"/>
@@ -7272,16 +7950,43 @@
             <p:ph type="title"/>
           </p:nvPr>
         </p:nvSpPr>
-        <p:spPr/>
+        <p:spPr>
+          <a:xfrm>
+            <a:off x="1880173" y="250759"/>
+            <a:ext cx="6699717" cy="1194807"/>
+          </a:xfrm>
+        </p:spPr>
         <p:txBody>
           <a:bodyPr/>
           <a:lstStyle/>
           <a:p>
             <a:r>
+              <a:rPr lang="en-US" dirty="0" smtClean="0">
+                <a:solidFill>
+                  <a:schemeClr val="accent5">
+                    <a:lumMod val="50000"/>
+                  </a:schemeClr>
+                </a:solidFill>
+              </a:rPr>
+              <a:t>IMPLIES</a:t>
+            </a:r>
+            <a:r>
               <a:rPr lang="en-US" dirty="0" smtClean="0"/>
-              <a:t>Soundness</a:t>
-            </a:r>
-            <a:endParaRPr lang="en-US" dirty="0"/>
+              <a:t> is not </a:t>
+            </a:r>
+            <a:r>
+              <a:rPr lang="en-US" dirty="0" smtClean="0">
+                <a:solidFill>
+                  <a:srgbClr val="660066"/>
+                </a:solidFill>
+              </a:rPr>
+              <a:t>causal</a:t>
+            </a:r>
+            <a:endParaRPr lang="en-US" dirty="0">
+              <a:solidFill>
+                <a:srgbClr val="660066"/>
+              </a:solidFill>
+            </a:endParaRPr>
           </a:p>
         </p:txBody>
       </p:sp>
@@ -7297,8 +8002,8 @@
         </p:nvSpPr>
         <p:spPr>
           <a:xfrm>
-            <a:off x="275167" y="1371600"/>
-            <a:ext cx="8710083" cy="4142318"/>
+            <a:off x="418861" y="1499607"/>
+            <a:ext cx="8369193" cy="4551004"/>
           </a:xfrm>
         </p:spPr>
         <p:txBody>
@@ -7306,44 +8011,30 @@
           <a:lstStyle/>
           <a:p>
             <a:r>
-              <a:rPr lang="en-US" sz="4800" dirty="0" smtClean="0"/>
-              <a:t>A </a:t>
-            </a:r>
-            <a:r>
-              <a:rPr lang="en-US" sz="4800" dirty="0" smtClean="0">
+              <a:rPr lang="en-US" sz="4000" dirty="0" smtClean="0"/>
+              <a:t>Causal/counter-factual assertions make some sense, although they raise philosophical problems.</a:t>
+            </a:r>
+          </a:p>
+          <a:p>
+            <a:r>
+              <a:rPr lang="en-US" sz="4000" dirty="0" smtClean="0"/>
+              <a:t> The propositional connective </a:t>
+            </a:r>
+            <a:r>
+              <a:rPr lang="en-US" dirty="0" smtClean="0">
                 <a:solidFill>
-                  <a:srgbClr val="006600"/>
+                  <a:schemeClr val="accent5">
+                    <a:lumMod val="50000"/>
+                  </a:schemeClr>
                 </a:solidFill>
               </a:rPr>
-              <a:t>sound</a:t>
-            </a:r>
-            <a:r>
-              <a:rPr lang="en-US" sz="4800" dirty="0" smtClean="0"/>
-              <a:t> rule preserves truth:</a:t>
-            </a:r>
-          </a:p>
-          <a:p>
-            <a:r>
-              <a:rPr lang="en-US" sz="5400" dirty="0"/>
-              <a:t>i</a:t>
-            </a:r>
-            <a:r>
-              <a:rPr lang="en-US" sz="5400" dirty="0" smtClean="0"/>
-              <a:t>f all the antecedents are </a:t>
-            </a:r>
-          </a:p>
-          <a:p>
-            <a:r>
-              <a:rPr lang="en-US" sz="5400" dirty="0" smtClean="0"/>
-              <a:t>true in some environment, </a:t>
-            </a:r>
-          </a:p>
-          <a:p>
-            <a:r>
-              <a:rPr lang="en-US" sz="5400" dirty="0" smtClean="0"/>
-              <a:t>then so is the conclusion.</a:t>
-            </a:r>
-            <a:endParaRPr lang="en-US" sz="5400" dirty="0"/>
+              <a:t>IMPLIES</a:t>
+            </a:r>
+            <a:r>
+              <a:rPr lang="en-US" sz="4000" dirty="0" smtClean="0"/>
+              <a:t> ignores causality.</a:t>
+            </a:r>
+            <a:endParaRPr lang="en-US" sz="4000" dirty="0"/>
           </a:p>
         </p:txBody>
       </p:sp>
@@ -7357,12 +8048,7 @@
             <p:ph type="sldNum" sz="quarter" idx="10"/>
           </p:nvPr>
         </p:nvSpPr>
-        <p:spPr>
-          <a:xfrm>
-            <a:off x="8047805" y="6553200"/>
-            <a:ext cx="1096199" cy="276999"/>
-          </a:xfrm>
-        </p:spPr>
+        <p:spPr/>
         <p:txBody>
           <a:bodyPr/>
           <a:lstStyle/>
@@ -7371,7 +8057,7 @@
               <a:defRPr/>
             </a:pPr>
             <a:r>
-              <a:rPr lang="en-US" dirty="0" smtClean="0"/>
+              <a:rPr lang="en-US" smtClean="0"/>
               <a:t>IMPLIES..</a:t>
             </a:r>
             <a:fld id="{A528ADE2-B74F-4D9D-8D04-FB5D781EAB51}" type="slidenum">
@@ -7379,7 +8065,7 @@
               <a:pPr>
                 <a:defRPr/>
               </a:pPr>
-              <a:t>11</a:t>
+              <a:t>15</a:t>
             </a:fld>
             <a:endParaRPr lang="en-US" dirty="0"/>
           </a:p>
@@ -7388,7 +8074,7 @@
     </p:spTree>
     <p:extLst>
       <p:ext uri="{BB962C8B-B14F-4D97-AF65-F5344CB8AC3E}">
-        <p14:creationId xmlns:p14="http://schemas.microsoft.com/office/powerpoint/2010/main" val="4016570365"/>
+        <p14:creationId xmlns:p14="http://schemas.microsoft.com/office/powerpoint/2010/main" val="4204653754"/>
       </p:ext>
     </p:extLst>
   </p:cSld>
@@ -7419,7 +8105,7 @@
                             </p:stCondLst>
                             <p:childTnLst>
                               <p:par>
-                                <p:cTn id="5" presetID="9" presetClass="entr" presetSubtype="0" fill="hold" grpId="0" nodeType="clickEffect">
+                                <p:cTn id="5" presetID="10" presetClass="entr" presetSubtype="0" fill="hold" nodeType="clickEffect">
                                   <p:stCondLst>
                                     <p:cond delay="0"/>
                                   </p:stCondLst>
@@ -7434,7 +8120,7 @@
                                         <p:tgtEl>
                                           <p:spTgt spid="3">
                                             <p:txEl>
-                                              <p:pRg st="0" end="0"/>
+                                              <p:pRg st="1" end="1"/>
                                             </p:txEl>
                                           </p:spTgt>
                                         </p:tgtEl>
@@ -7446,13 +8132,13 @@
                                         <p:strVal val="visible"/>
                                       </p:to>
                                     </p:set>
-                                    <p:animEffect transition="in" filter="dissolve">
+                                    <p:animEffect transition="in" filter="fade">
                                       <p:cBhvr>
                                         <p:cTn id="7" dur="500"/>
                                         <p:tgtEl>
                                           <p:spTgt spid="3">
                                             <p:txEl>
-                                              <p:pRg st="0" end="0"/>
+                                              <p:pRg st="1" end="1"/>
                                             </p:txEl>
                                           </p:spTgt>
                                         </p:tgtEl>
@@ -7480,7 +8166,7 @@
                             </p:stCondLst>
                             <p:childTnLst>
                               <p:par>
-                                <p:cTn id="10" presetID="9" presetClass="entr" presetSubtype="0" fill="hold" grpId="0" nodeType="clickEffect">
+                                <p:cTn id="10" presetID="10" presetClass="entr" presetSubtype="0" fill="hold" grpId="0" nodeType="clickEffect">
                                   <p:stCondLst>
                                     <p:cond delay="0"/>
                                   </p:stCondLst>
@@ -7493,11 +8179,7 @@
                                           </p:stCondLst>
                                         </p:cTn>
                                         <p:tgtEl>
-                                          <p:spTgt spid="3">
-                                            <p:txEl>
-                                              <p:pRg st="1" end="1"/>
-                                            </p:txEl>
-                                          </p:spTgt>
+                                          <p:spTgt spid="2"/>
                                         </p:tgtEl>
                                         <p:attrNameLst>
                                           <p:attrName>style.visibility</p:attrName>
@@ -7507,119 +8189,11 @@
                                         <p:strVal val="visible"/>
                                       </p:to>
                                     </p:set>
-                                    <p:animEffect transition="in" filter="dissolve">
+                                    <p:animEffect transition="in" filter="fade">
                                       <p:cBhvr>
                                         <p:cTn id="12" dur="500"/>
                                         <p:tgtEl>
-                                          <p:spTgt spid="3">
-                                            <p:txEl>
-                                              <p:pRg st="1" end="1"/>
-                                            </p:txEl>
-                                          </p:spTgt>
-                                        </p:tgtEl>
-                                      </p:cBhvr>
-                                    </p:animEffect>
-                                  </p:childTnLst>
-                                </p:cTn>
-                              </p:par>
-                              <p:par>
-                                <p:cTn id="13" presetID="9" presetClass="entr" presetSubtype="0" fill="hold" grpId="0" nodeType="withEffect">
-                                  <p:stCondLst>
-                                    <p:cond delay="0"/>
-                                  </p:stCondLst>
-                                  <p:childTnLst>
-                                    <p:set>
-                                      <p:cBhvr>
-                                        <p:cTn id="14" dur="1" fill="hold">
-                                          <p:stCondLst>
-                                            <p:cond delay="0"/>
-                                          </p:stCondLst>
-                                        </p:cTn>
-                                        <p:tgtEl>
-                                          <p:spTgt spid="3">
-                                            <p:txEl>
-                                              <p:pRg st="2" end="2"/>
-                                            </p:txEl>
-                                          </p:spTgt>
-                                        </p:tgtEl>
-                                        <p:attrNameLst>
-                                          <p:attrName>style.visibility</p:attrName>
-                                        </p:attrNameLst>
-                                      </p:cBhvr>
-                                      <p:to>
-                                        <p:strVal val="visible"/>
-                                      </p:to>
-                                    </p:set>
-                                    <p:animEffect transition="in" filter="dissolve">
-                                      <p:cBhvr>
-                                        <p:cTn id="15" dur="500"/>
-                                        <p:tgtEl>
-                                          <p:spTgt spid="3">
-                                            <p:txEl>
-                                              <p:pRg st="2" end="2"/>
-                                            </p:txEl>
-                                          </p:spTgt>
-                                        </p:tgtEl>
-                                      </p:cBhvr>
-                                    </p:animEffect>
-                                  </p:childTnLst>
-                                </p:cTn>
-                              </p:par>
-                            </p:childTnLst>
-                          </p:cTn>
-                        </p:par>
-                      </p:childTnLst>
-                    </p:cTn>
-                  </p:par>
-                  <p:par>
-                    <p:cTn id="16" fill="hold">
-                      <p:stCondLst>
-                        <p:cond delay="indefinite"/>
-                      </p:stCondLst>
-                      <p:childTnLst>
-                        <p:par>
-                          <p:cTn id="17" fill="hold">
-                            <p:stCondLst>
-                              <p:cond delay="0"/>
-                            </p:stCondLst>
-                            <p:childTnLst>
-                              <p:par>
-                                <p:cTn id="18" presetID="9" presetClass="entr" presetSubtype="0" fill="hold" grpId="0" nodeType="clickEffect">
-                                  <p:stCondLst>
-                                    <p:cond delay="0"/>
-                                  </p:stCondLst>
-                                  <p:childTnLst>
-                                    <p:set>
-                                      <p:cBhvr>
-                                        <p:cTn id="19" dur="1" fill="hold">
-                                          <p:stCondLst>
-                                            <p:cond delay="0"/>
-                                          </p:stCondLst>
-                                        </p:cTn>
-                                        <p:tgtEl>
-                                          <p:spTgt spid="3">
-                                            <p:txEl>
-                                              <p:pRg st="3" end="3"/>
-                                            </p:txEl>
-                                          </p:spTgt>
-                                        </p:tgtEl>
-                                        <p:attrNameLst>
-                                          <p:attrName>style.visibility</p:attrName>
-                                        </p:attrNameLst>
-                                      </p:cBhvr>
-                                      <p:to>
-                                        <p:strVal val="visible"/>
-                                      </p:to>
-                                    </p:set>
-                                    <p:animEffect transition="in" filter="dissolve">
-                                      <p:cBhvr>
-                                        <p:cTn id="20" dur="500"/>
-                                        <p:tgtEl>
-                                          <p:spTgt spid="3">
-                                            <p:txEl>
-                                              <p:pRg st="3" end="3"/>
-                                            </p:txEl>
-                                          </p:spTgt>
+                                          <p:spTgt spid="2"/>
                                         </p:tgtEl>
                                       </p:cBhvr>
                                     </p:animEffect>
@@ -7654,13 +8228,13 @@
       </p:par>
     </p:tnLst>
     <p:bldLst>
-      <p:bldP spid="3" grpId="0" build="p"/>
+      <p:bldP spid="2" grpId="0"/>
     </p:bldLst>
   </p:timing>
 </p:sld>
 </file>
 
-<file path=ppt/slides/slide12.xml><?xml version="1.0" encoding="utf-8"?>
+<file path=ppt/slides/slide16.xml><?xml version="1.0" encoding="utf-8"?>
 <p:sld xmlns:a="http://schemas.openxmlformats.org/drawingml/2006/main" xmlns:r="http://schemas.openxmlformats.org/officeDocument/2006/relationships" xmlns:p="http://schemas.openxmlformats.org/presentationml/2006/main">
   <p:cSld>
     <p:spTree>
@@ -7687,16 +8261,43 @@
             <p:ph type="title"/>
           </p:nvPr>
         </p:nvSpPr>
-        <p:spPr/>
+        <p:spPr>
+          <a:xfrm>
+            <a:off x="1880173" y="250759"/>
+            <a:ext cx="6699717" cy="1194807"/>
+          </a:xfrm>
+        </p:spPr>
         <p:txBody>
           <a:bodyPr/>
           <a:lstStyle/>
           <a:p>
             <a:r>
+              <a:rPr lang="en-US" dirty="0" smtClean="0">
+                <a:solidFill>
+                  <a:schemeClr val="accent5">
+                    <a:lumMod val="50000"/>
+                  </a:schemeClr>
+                </a:solidFill>
+              </a:rPr>
+              <a:t>IMPLIES</a:t>
+            </a:r>
+            <a:r>
               <a:rPr lang="en-US" dirty="0" smtClean="0"/>
-              <a:t>Soundness</a:t>
-            </a:r>
-            <a:endParaRPr lang="en-US" dirty="0"/>
+              <a:t> is not </a:t>
+            </a:r>
+            <a:r>
+              <a:rPr lang="en-US" dirty="0" smtClean="0">
+                <a:solidFill>
+                  <a:srgbClr val="660066"/>
+                </a:solidFill>
+              </a:rPr>
+              <a:t>causal</a:t>
+            </a:r>
+            <a:endParaRPr lang="en-US" dirty="0">
+              <a:solidFill>
+                <a:srgbClr val="660066"/>
+              </a:solidFill>
+            </a:endParaRPr>
           </a:p>
         </p:txBody>
       </p:sp>
@@ -7712,8 +8313,8 @@
         </p:nvSpPr>
         <p:spPr>
           <a:xfrm>
-            <a:off x="550326" y="1255186"/>
-            <a:ext cx="8096250" cy="4957234"/>
+            <a:off x="418861" y="1499607"/>
+            <a:ext cx="8369193" cy="4551004"/>
           </a:xfrm>
         </p:spPr>
         <p:txBody>
@@ -7721,134 +8322,33 @@
           <a:lstStyle/>
           <a:p>
             <a:r>
-              <a:rPr lang="en-US" sz="4800" dirty="0" smtClean="0">
+              <a:rPr lang="en-US" sz="4000" dirty="0" smtClean="0"/>
+              <a:t>Causal/counter-factual assertions make some sense, although they raise philosophical problems.</a:t>
+            </a:r>
+          </a:p>
+          <a:p>
+            <a:r>
+              <a:rPr lang="en-US" sz="4000" dirty="0" smtClean="0"/>
+              <a:t> The propositional connective </a:t>
+            </a:r>
+            <a:r>
+              <a:rPr lang="en-US" dirty="0" smtClean="0">
                 <a:solidFill>
-                  <a:srgbClr val="BB0FAB"/>
-                </a:solidFill>
-              </a:rPr>
-              <a:t>modus ponens</a:t>
-            </a:r>
-            <a:r>
-              <a:rPr lang="en-US" sz="4800" dirty="0" smtClean="0"/>
-              <a:t> is sound:</a:t>
-            </a:r>
-          </a:p>
-          <a:p>
-            <a:r>
-              <a:rPr lang="en-US" sz="5400" dirty="0" smtClean="0"/>
-              <a:t>if </a:t>
-            </a:r>
-            <a:r>
-              <a:rPr lang="en-US" sz="5400" dirty="0" smtClean="0">
-                <a:solidFill>
-                  <a:srgbClr val="0000FF"/>
-                </a:solidFill>
-              </a:rPr>
-              <a:t>P</a:t>
-            </a:r>
-            <a:r>
-              <a:rPr lang="en-US" sz="5400" dirty="0" smtClean="0"/>
-              <a:t> is </a:t>
-            </a:r>
-            <a:r>
-              <a:rPr lang="en-US" sz="5400" dirty="0" smtClean="0">
-                <a:solidFill>
-                  <a:srgbClr val="008000"/>
-                </a:solidFill>
-              </a:rPr>
-              <a:t>true</a:t>
-            </a:r>
-            <a:r>
-              <a:rPr lang="en-US" sz="5400" dirty="0" smtClean="0"/>
-              <a:t>,</a:t>
-            </a:r>
-          </a:p>
-          <a:p>
-            <a:r>
-              <a:rPr lang="en-US" sz="5400" dirty="0" smtClean="0"/>
-              <a:t>and </a:t>
-            </a:r>
-            <a:r>
-              <a:rPr lang="en-US" sz="5400" dirty="0" smtClean="0">
-                <a:solidFill>
-                  <a:srgbClr val="0000FF"/>
-                </a:solidFill>
-              </a:rPr>
-              <a:t>P </a:t>
-            </a:r>
-            <a:r>
-              <a:rPr lang="en-US" sz="4400" dirty="0" smtClean="0">
-                <a:solidFill>
-                  <a:srgbClr val="0000FF"/>
+                  <a:schemeClr val="accent5">
+                    <a:lumMod val="50000"/>
+                  </a:schemeClr>
                 </a:solidFill>
               </a:rPr>
               <a:t>IMPLIES</a:t>
             </a:r>
             <a:r>
-              <a:rPr lang="en-US" sz="5400" dirty="0" smtClean="0">
-                <a:solidFill>
-                  <a:srgbClr val="0000FF"/>
-                </a:solidFill>
-              </a:rPr>
-              <a:t> Q </a:t>
-            </a:r>
-            <a:r>
-              <a:rPr lang="en-US" sz="5400" dirty="0" smtClean="0"/>
-              <a:t>is </a:t>
-            </a:r>
-            <a:r>
-              <a:rPr lang="en-US" sz="5400" dirty="0" smtClean="0">
-                <a:solidFill>
-                  <a:srgbClr val="008000"/>
-                </a:solidFill>
-              </a:rPr>
-              <a:t>true</a:t>
-            </a:r>
-            <a:r>
-              <a:rPr lang="en-US" sz="5400" dirty="0" smtClean="0"/>
-              <a:t>,</a:t>
-            </a:r>
-          </a:p>
-          <a:p>
-            <a:r>
-              <a:rPr lang="en-US" sz="5400" dirty="0" smtClean="0"/>
-              <a:t>then </a:t>
-            </a:r>
-            <a:r>
-              <a:rPr lang="en-US" sz="5400" dirty="0" smtClean="0">
-                <a:solidFill>
-                  <a:srgbClr val="0000FF"/>
-                </a:solidFill>
-              </a:rPr>
-              <a:t>Q</a:t>
-            </a:r>
-            <a:r>
-              <a:rPr lang="en-US" sz="5400" dirty="0" smtClean="0"/>
-              <a:t> must be </a:t>
-            </a:r>
-            <a:r>
-              <a:rPr lang="en-US" sz="5400" dirty="0" smtClean="0">
-                <a:solidFill>
-                  <a:srgbClr val="008000"/>
-                </a:solidFill>
-              </a:rPr>
-              <a:t>true</a:t>
-            </a:r>
-          </a:p>
-          <a:p>
-            <a:r>
-              <a:rPr lang="en-US" sz="5400" dirty="0" smtClean="0"/>
-              <a:t>―</a:t>
-            </a:r>
-            <a:r>
-              <a:rPr lang="en-US" sz="5400" dirty="0"/>
-              <a:t>by </a:t>
-            </a:r>
-            <a:r>
-              <a:rPr lang="en-US" sz="5400" dirty="0" smtClean="0"/>
-              <a:t>truth table.</a:t>
-            </a:r>
-            <a:endParaRPr lang="en-US" sz="5400" dirty="0"/>
+              <a:rPr lang="en-US" sz="4000" dirty="0" smtClean="0"/>
+              <a:t> ignores causality. This </a:t>
+            </a:r>
+            <a:r>
+              <a:rPr lang="en-US" sz="4000" dirty="0"/>
+              <a:t>makes it simple, but still useful.</a:t>
+            </a:r>
           </a:p>
         </p:txBody>
       </p:sp>
@@ -7862,12 +8362,7 @@
             <p:ph type="sldNum" sz="quarter" idx="10"/>
           </p:nvPr>
         </p:nvSpPr>
-        <p:spPr>
-          <a:xfrm>
-            <a:off x="8072452" y="6553200"/>
-            <a:ext cx="1071552" cy="276999"/>
-          </a:xfrm>
-        </p:spPr>
+        <p:spPr/>
         <p:txBody>
           <a:bodyPr/>
           <a:lstStyle/>
@@ -7876,7 +8371,7 @@
               <a:defRPr/>
             </a:pPr>
             <a:r>
-              <a:rPr lang="en-US" dirty="0" smtClean="0"/>
+              <a:rPr lang="en-US" smtClean="0"/>
               <a:t>IMPLIES..</a:t>
             </a:r>
             <a:fld id="{A528ADE2-B74F-4D9D-8D04-FB5D781EAB51}" type="slidenum">
@@ -7884,7 +8379,7 @@
               <a:pPr>
                 <a:defRPr/>
               </a:pPr>
-              <a:t>12</a:t>
+              <a:t>16</a:t>
             </a:fld>
             <a:endParaRPr lang="en-US" dirty="0"/>
           </a:p>
@@ -7893,539 +8388,14 @@
     </p:spTree>
     <p:extLst>
       <p:ext uri="{BB962C8B-B14F-4D97-AF65-F5344CB8AC3E}">
-        <p14:creationId xmlns:p14="http://schemas.microsoft.com/office/powerpoint/2010/main" val="537572226"/>
+        <p14:creationId xmlns:p14="http://schemas.microsoft.com/office/powerpoint/2010/main" val="3981123981"/>
       </p:ext>
     </p:extLst>
   </p:cSld>
   <p:clrMapOvr>
     <a:masterClrMapping/>
   </p:clrMapOvr>
-  <p:transition xmlns:p14="http://schemas.microsoft.com/office/powerpoint/2010/main" spd="slow" advClick="0">
-    <p:fade/>
-  </p:transition>
-  <p:timing>
-    <p:tnLst>
-      <p:par>
-        <p:cTn xmlns:p14="http://schemas.microsoft.com/office/powerpoint/2010/main" id="1" dur="indefinite" restart="never" nodeType="tmRoot">
-          <p:childTnLst>
-            <p:seq concurrent="1" nextAc="seek">
-              <p:cTn id="2" dur="indefinite" nodeType="mainSeq">
-                <p:childTnLst>
-                  <p:par>
-                    <p:cTn id="3" fill="hold">
-                      <p:stCondLst>
-                        <p:cond delay="indefinite"/>
-                      </p:stCondLst>
-                      <p:childTnLst>
-                        <p:par>
-                          <p:cTn id="4" fill="hold">
-                            <p:stCondLst>
-                              <p:cond delay="0"/>
-                            </p:stCondLst>
-                            <p:childTnLst>
-                              <p:par>
-                                <p:cTn id="5" presetID="9" presetClass="entr" presetSubtype="0" fill="hold" grpId="1" nodeType="clickEffect">
-                                  <p:stCondLst>
-                                    <p:cond delay="0"/>
-                                  </p:stCondLst>
-                                  <p:childTnLst>
-                                    <p:set>
-                                      <p:cBhvr>
-                                        <p:cTn id="6" dur="1" fill="hold">
-                                          <p:stCondLst>
-                                            <p:cond delay="0"/>
-                                          </p:stCondLst>
-                                        </p:cTn>
-                                        <p:tgtEl>
-                                          <p:spTgt spid="3">
-                                            <p:txEl>
-                                              <p:pRg st="1" end="1"/>
-                                            </p:txEl>
-                                          </p:spTgt>
-                                        </p:tgtEl>
-                                        <p:attrNameLst>
-                                          <p:attrName>style.visibility</p:attrName>
-                                        </p:attrNameLst>
-                                      </p:cBhvr>
-                                      <p:to>
-                                        <p:strVal val="visible"/>
-                                      </p:to>
-                                    </p:set>
-                                    <p:animEffect transition="in" filter="dissolve">
-                                      <p:cBhvr>
-                                        <p:cTn id="7" dur="500"/>
-                                        <p:tgtEl>
-                                          <p:spTgt spid="3">
-                                            <p:txEl>
-                                              <p:pRg st="1" end="1"/>
-                                            </p:txEl>
-                                          </p:spTgt>
-                                        </p:tgtEl>
-                                      </p:cBhvr>
-                                    </p:animEffect>
-                                  </p:childTnLst>
-                                </p:cTn>
-                              </p:par>
-                            </p:childTnLst>
-                          </p:cTn>
-                        </p:par>
-                        <p:par>
-                          <p:cTn id="8" fill="hold">
-                            <p:stCondLst>
-                              <p:cond delay="500"/>
-                            </p:stCondLst>
-                            <p:childTnLst>
-                              <p:par>
-                                <p:cTn id="9" presetID="9" presetClass="entr" presetSubtype="0" fill="hold" grpId="1" nodeType="afterEffect">
-                                  <p:stCondLst>
-                                    <p:cond delay="0"/>
-                                  </p:stCondLst>
-                                  <p:childTnLst>
-                                    <p:set>
-                                      <p:cBhvr>
-                                        <p:cTn id="10" dur="1" fill="hold">
-                                          <p:stCondLst>
-                                            <p:cond delay="0"/>
-                                          </p:stCondLst>
-                                        </p:cTn>
-                                        <p:tgtEl>
-                                          <p:spTgt spid="3">
-                                            <p:txEl>
-                                              <p:pRg st="2" end="2"/>
-                                            </p:txEl>
-                                          </p:spTgt>
-                                        </p:tgtEl>
-                                        <p:attrNameLst>
-                                          <p:attrName>style.visibility</p:attrName>
-                                        </p:attrNameLst>
-                                      </p:cBhvr>
-                                      <p:to>
-                                        <p:strVal val="visible"/>
-                                      </p:to>
-                                    </p:set>
-                                    <p:animEffect transition="in" filter="dissolve">
-                                      <p:cBhvr>
-                                        <p:cTn id="11" dur="500"/>
-                                        <p:tgtEl>
-                                          <p:spTgt spid="3">
-                                            <p:txEl>
-                                              <p:pRg st="2" end="2"/>
-                                            </p:txEl>
-                                          </p:spTgt>
-                                        </p:tgtEl>
-                                      </p:cBhvr>
-                                    </p:animEffect>
-                                  </p:childTnLst>
-                                </p:cTn>
-                              </p:par>
-                            </p:childTnLst>
-                          </p:cTn>
-                        </p:par>
-                      </p:childTnLst>
-                    </p:cTn>
-                  </p:par>
-                  <p:par>
-                    <p:cTn id="12" fill="hold">
-                      <p:stCondLst>
-                        <p:cond delay="indefinite"/>
-                      </p:stCondLst>
-                      <p:childTnLst>
-                        <p:par>
-                          <p:cTn id="13" fill="hold">
-                            <p:stCondLst>
-                              <p:cond delay="0"/>
-                            </p:stCondLst>
-                            <p:childTnLst>
-                              <p:par>
-                                <p:cTn id="14" presetID="9" presetClass="entr" presetSubtype="0" fill="hold" grpId="1" nodeType="clickEffect">
-                                  <p:stCondLst>
-                                    <p:cond delay="0"/>
-                                  </p:stCondLst>
-                                  <p:childTnLst>
-                                    <p:set>
-                                      <p:cBhvr>
-                                        <p:cTn id="15" dur="1" fill="hold">
-                                          <p:stCondLst>
-                                            <p:cond delay="0"/>
-                                          </p:stCondLst>
-                                        </p:cTn>
-                                        <p:tgtEl>
-                                          <p:spTgt spid="3">
-                                            <p:txEl>
-                                              <p:pRg st="3" end="3"/>
-                                            </p:txEl>
-                                          </p:spTgt>
-                                        </p:tgtEl>
-                                        <p:attrNameLst>
-                                          <p:attrName>style.visibility</p:attrName>
-                                        </p:attrNameLst>
-                                      </p:cBhvr>
-                                      <p:to>
-                                        <p:strVal val="visible"/>
-                                      </p:to>
-                                    </p:set>
-                                    <p:animEffect transition="in" filter="dissolve">
-                                      <p:cBhvr>
-                                        <p:cTn id="16" dur="500"/>
-                                        <p:tgtEl>
-                                          <p:spTgt spid="3">
-                                            <p:txEl>
-                                              <p:pRg st="3" end="3"/>
-                                            </p:txEl>
-                                          </p:spTgt>
-                                        </p:tgtEl>
-                                      </p:cBhvr>
-                                    </p:animEffect>
-                                  </p:childTnLst>
-                                </p:cTn>
-                              </p:par>
-                            </p:childTnLst>
-                          </p:cTn>
-                        </p:par>
-                      </p:childTnLst>
-                    </p:cTn>
-                  </p:par>
-                  <p:par>
-                    <p:cTn id="17" fill="hold">
-                      <p:stCondLst>
-                        <p:cond delay="indefinite"/>
-                      </p:stCondLst>
-                      <p:childTnLst>
-                        <p:par>
-                          <p:cTn id="18" fill="hold">
-                            <p:stCondLst>
-                              <p:cond delay="0"/>
-                            </p:stCondLst>
-                            <p:childTnLst>
-                              <p:par>
-                                <p:cTn id="19" presetID="9" presetClass="entr" presetSubtype="0" fill="hold" grpId="1" nodeType="clickEffect">
-                                  <p:stCondLst>
-                                    <p:cond delay="0"/>
-                                  </p:stCondLst>
-                                  <p:childTnLst>
-                                    <p:set>
-                                      <p:cBhvr>
-                                        <p:cTn id="20" dur="1" fill="hold">
-                                          <p:stCondLst>
-                                            <p:cond delay="0"/>
-                                          </p:stCondLst>
-                                        </p:cTn>
-                                        <p:tgtEl>
-                                          <p:spTgt spid="3">
-                                            <p:txEl>
-                                              <p:pRg st="4" end="4"/>
-                                            </p:txEl>
-                                          </p:spTgt>
-                                        </p:tgtEl>
-                                        <p:attrNameLst>
-                                          <p:attrName>style.visibility</p:attrName>
-                                        </p:attrNameLst>
-                                      </p:cBhvr>
-                                      <p:to>
-                                        <p:strVal val="visible"/>
-                                      </p:to>
-                                    </p:set>
-                                    <p:animEffect transition="in" filter="dissolve">
-                                      <p:cBhvr>
-                                        <p:cTn id="21" dur="500"/>
-                                        <p:tgtEl>
-                                          <p:spTgt spid="3">
-                                            <p:txEl>
-                                              <p:pRg st="4" end="4"/>
-                                            </p:txEl>
-                                          </p:spTgt>
-                                        </p:tgtEl>
-                                      </p:cBhvr>
-                                    </p:animEffect>
-                                  </p:childTnLst>
-                                </p:cTn>
-                              </p:par>
-                            </p:childTnLst>
-                          </p:cTn>
-                        </p:par>
-                      </p:childTnLst>
-                    </p:cTn>
-                  </p:par>
-                </p:childTnLst>
-              </p:cTn>
-              <p:prevCondLst>
-                <p:cond evt="onPrev" delay="0">
-                  <p:tgtEl>
-                    <p:sldTgt/>
-                  </p:tgtEl>
-                </p:cond>
-              </p:prevCondLst>
-              <p:nextCondLst>
-                <p:cond evt="onNext" delay="0">
-                  <p:tgtEl>
-                    <p:sldTgt/>
-                  </p:tgtEl>
-                </p:cond>
-              </p:nextCondLst>
-            </p:seq>
-          </p:childTnLst>
-        </p:cTn>
-      </p:par>
-    </p:tnLst>
-    <p:bldLst>
-      <p:bldP spid="3" grpId="1" build="p"/>
-    </p:bldLst>
-  </p:timing>
-</p:sld>
-</file>
-
-<file path=ppt/slides/slide13.xml><?xml version="1.0" encoding="utf-8"?>
-<p:sld xmlns:a="http://schemas.openxmlformats.org/drawingml/2006/main" xmlns:r="http://schemas.openxmlformats.org/officeDocument/2006/relationships" xmlns:p="http://schemas.openxmlformats.org/presentationml/2006/main">
-  <p:cSld>
-    <p:spTree>
-      <p:nvGrpSpPr>
-        <p:cNvPr id="1" name=""/>
-        <p:cNvGrpSpPr/>
-        <p:nvPr/>
-      </p:nvGrpSpPr>
-      <p:grpSpPr>
-        <a:xfrm>
-          <a:off x="0" y="0"/>
-          <a:ext cx="0" cy="0"/>
-          <a:chOff x="0" y="0"/>
-          <a:chExt cx="0" cy="0"/>
-        </a:xfrm>
-      </p:grpSpPr>
-      <p:sp>
-        <p:nvSpPr>
-          <p:cNvPr id="13" name="Title 12"/>
-          <p:cNvSpPr>
-            <a:spLocks noGrp="1"/>
-          </p:cNvSpPr>
-          <p:nvPr>
-            <p:ph type="title"/>
-          </p:nvPr>
-        </p:nvSpPr>
-        <p:spPr>
-          <a:xfrm>
-            <a:off x="2260600" y="304800"/>
-            <a:ext cx="6121400" cy="1193800"/>
-          </a:xfrm>
-        </p:spPr>
-        <p:txBody>
-          <a:bodyPr/>
-          <a:lstStyle/>
-          <a:p>
-            <a:r>
-              <a:rPr lang="en-US" sz="4600" dirty="0" smtClean="0"/>
-              <a:t>Soundness &amp; Validity</a:t>
-            </a:r>
-            <a:endParaRPr lang="en-US" sz="4600" dirty="0"/>
-          </a:p>
-        </p:txBody>
-      </p:sp>
-      <p:sp>
-        <p:nvSpPr>
-          <p:cNvPr id="14" name="TextBox 13"/>
-          <p:cNvSpPr txBox="1"/>
-          <p:nvPr/>
-        </p:nvSpPr>
-        <p:spPr>
-          <a:xfrm>
-            <a:off x="459546" y="1675812"/>
-            <a:ext cx="8481254" cy="3416320"/>
-          </a:xfrm>
-          <a:prstGeom prst="rect">
-            <a:avLst/>
-          </a:prstGeom>
-          <a:noFill/>
-        </p:spPr>
-        <p:txBody>
-          <a:bodyPr wrap="square" rtlCol="0">
-            <a:spAutoFit/>
-          </a:bodyPr>
-          <a:lstStyle/>
-          <a:p>
-            <a:pPr algn="l"/>
-            <a:r>
-              <a:rPr lang="en-US" sz="4400" i="1" dirty="0" smtClean="0">
-                <a:latin typeface="Comic Sans MS"/>
-                <a:cs typeface="Comic Sans MS"/>
-              </a:rPr>
-              <a:t>Lemma:</a:t>
-            </a:r>
-            <a:r>
-              <a:rPr lang="en-US" sz="4800" dirty="0" smtClean="0">
-                <a:latin typeface="Comic Sans MS"/>
-                <a:cs typeface="Comic Sans MS"/>
-              </a:rPr>
-              <a:t> </a:t>
-            </a:r>
-            <a:r>
-              <a:rPr lang="en-US" sz="5400" dirty="0" smtClean="0">
-                <a:latin typeface="Comic Sans MS"/>
-                <a:cs typeface="Comic Sans MS"/>
-              </a:rPr>
-              <a:t>A rule is sound </a:t>
-            </a:r>
-            <a:r>
-              <a:rPr lang="en-US" sz="5400" dirty="0" err="1" smtClean="0">
-                <a:latin typeface="Comic Sans MS"/>
-                <a:cs typeface="Comic Sans MS"/>
-              </a:rPr>
-              <a:t>iff</a:t>
-            </a:r>
-            <a:endParaRPr lang="en-US" sz="5400" dirty="0" smtClean="0">
-              <a:latin typeface="Comic Sans MS"/>
-              <a:cs typeface="Comic Sans MS"/>
-            </a:endParaRPr>
-          </a:p>
-          <a:p>
-            <a:pPr algn="l"/>
-            <a:r>
-              <a:rPr lang="en-US" sz="4800" dirty="0" smtClean="0">
-                <a:solidFill>
-                  <a:schemeClr val="accent1">
-                    <a:lumMod val="50000"/>
-                  </a:schemeClr>
-                </a:solidFill>
-                <a:latin typeface="Comic Sans MS"/>
-                <a:cs typeface="Comic Sans MS"/>
-              </a:rPr>
-              <a:t> </a:t>
-            </a:r>
-            <a:r>
-              <a:rPr lang="en-US" sz="5400" dirty="0" smtClean="0">
-                <a:solidFill>
-                  <a:srgbClr val="0000FF"/>
-                </a:solidFill>
-                <a:latin typeface="Comic Sans MS"/>
-                <a:cs typeface="Comic Sans MS"/>
-              </a:rPr>
-              <a:t>AND{Antecedents}</a:t>
-            </a:r>
-          </a:p>
-          <a:p>
-            <a:pPr algn="l"/>
-            <a:r>
-              <a:rPr lang="en-US" sz="5400" dirty="0">
-                <a:solidFill>
-                  <a:srgbClr val="0000FF"/>
-                </a:solidFill>
-                <a:latin typeface="Comic Sans MS"/>
-                <a:cs typeface="Comic Sans MS"/>
-                <a:sym typeface="Euclid Symbol"/>
-              </a:rPr>
-              <a:t> </a:t>
-            </a:r>
-            <a:r>
-              <a:rPr lang="en-US" sz="5400" dirty="0" smtClean="0">
-                <a:solidFill>
-                  <a:srgbClr val="0000FF"/>
-                </a:solidFill>
-                <a:latin typeface="Comic Sans MS"/>
-                <a:cs typeface="Comic Sans MS"/>
-                <a:sym typeface="Euclid Symbol"/>
-              </a:rPr>
-              <a:t>       </a:t>
-            </a:r>
-            <a:r>
-              <a:rPr lang="en-US" sz="4400" dirty="0" smtClean="0">
-                <a:solidFill>
-                  <a:srgbClr val="0000FF"/>
-                </a:solidFill>
-                <a:latin typeface="Comic Sans MS"/>
-                <a:cs typeface="Comic Sans MS"/>
-                <a:sym typeface="Euclid Symbol"/>
-              </a:rPr>
-              <a:t>IMPLIES</a:t>
-            </a:r>
-            <a:r>
-              <a:rPr lang="en-US" sz="5400" dirty="0" smtClean="0">
-                <a:solidFill>
-                  <a:srgbClr val="0000FF"/>
-                </a:solidFill>
-                <a:latin typeface="cmsy10"/>
-                <a:sym typeface="Euclid Symbol"/>
-              </a:rPr>
-              <a:t> </a:t>
-            </a:r>
-            <a:r>
-              <a:rPr lang="en-US" sz="5400" dirty="0" smtClean="0">
-                <a:solidFill>
-                  <a:srgbClr val="0000FF"/>
-                </a:solidFill>
-                <a:latin typeface="Comic Sans MS" pitchFamily="66" charset="0"/>
-                <a:sym typeface="Euclid Symbol"/>
-              </a:rPr>
-              <a:t>Conclusion</a:t>
-            </a:r>
-          </a:p>
-          <a:p>
-            <a:pPr algn="l"/>
-            <a:r>
-              <a:rPr lang="en-US" sz="5400" dirty="0" smtClean="0">
-                <a:latin typeface="Comic Sans MS" pitchFamily="66" charset="0"/>
-              </a:rPr>
-              <a:t>is </a:t>
-            </a:r>
-            <a:r>
-              <a:rPr lang="en-US" sz="5400" dirty="0" smtClean="0">
-                <a:solidFill>
-                  <a:srgbClr val="006600"/>
-                </a:solidFill>
-                <a:latin typeface="Comic Sans MS" pitchFamily="66" charset="0"/>
-              </a:rPr>
-              <a:t>valid</a:t>
-            </a:r>
-            <a:r>
-              <a:rPr lang="en-US" sz="5400" dirty="0" smtClean="0">
-                <a:latin typeface="Comic Sans MS" pitchFamily="66" charset="0"/>
-              </a:rPr>
-              <a:t>.</a:t>
-            </a:r>
-          </a:p>
-        </p:txBody>
-      </p:sp>
-      <p:sp>
-        <p:nvSpPr>
-          <p:cNvPr id="4" name="Slide Number Placeholder 2"/>
-          <p:cNvSpPr>
-            <a:spLocks noGrp="1"/>
-          </p:cNvSpPr>
-          <p:nvPr>
-            <p:ph type="sldNum" sz="quarter" idx="10"/>
-          </p:nvPr>
-        </p:nvSpPr>
-        <p:spPr>
-          <a:xfrm>
-            <a:off x="8086124" y="6553200"/>
-            <a:ext cx="1057877" cy="276999"/>
-          </a:xfrm>
-        </p:spPr>
-        <p:txBody>
-          <a:bodyPr/>
-          <a:lstStyle/>
-          <a:p>
-            <a:r>
-              <a:rPr lang="en-US" dirty="0" smtClean="0"/>
-              <a:t>IMPLIES.</a:t>
-            </a:r>
-            <a:fld id="{3251DA95-B240-47FE-901D-B78FC8E8E532}" type="slidenum">
-              <a:rPr lang="en-US" smtClean="0"/>
-              <a:pPr/>
-              <a:t>13</a:t>
-            </a:fld>
-            <a:endParaRPr lang="en-US" dirty="0"/>
-          </a:p>
-        </p:txBody>
-      </p:sp>
-    </p:spTree>
-    <p:extLst>
-      <p:ext uri="{BB962C8B-B14F-4D97-AF65-F5344CB8AC3E}">
-        <p14:creationId xmlns:p14="http://schemas.microsoft.com/office/powerpoint/2010/main" val="998713355"/>
-      </p:ext>
-    </p:extLst>
-  </p:cSld>
-  <p:clrMapOvr>
-    <a:masterClrMapping/>
-  </p:clrMapOvr>
-  <p:transition xmlns:p14="http://schemas.microsoft.com/office/powerpoint/2010/main" spd="slow" advClick="0">
+  <p:transition xmlns:p14="http://schemas.microsoft.com/office/powerpoint/2010/main" advClick="0">
     <p:fade/>
   </p:transition>
   <p:timing>
@@ -10227,12 +10197,25 @@
               <a:rPr lang="en-US" sz="4000" dirty="0" smtClean="0">
                 <a:latin typeface="Comic Sans MS" pitchFamily="66" charset="0"/>
               </a:rPr>
-              <a:t>The value of (P </a:t>
+              <a:t>The value of (</a:t>
+            </a:r>
+            <a:r>
+              <a:rPr lang="en-US" sz="4000" dirty="0" smtClean="0">
+                <a:solidFill>
+                  <a:schemeClr val="accent1">
+                    <a:lumMod val="50000"/>
+                  </a:schemeClr>
+                </a:solidFill>
+                <a:latin typeface="Comic Sans MS" pitchFamily="66" charset="0"/>
+              </a:rPr>
+              <a:t>P </a:t>
             </a:r>
             <a:r>
               <a:rPr lang="en-US" sz="3600" dirty="0" smtClean="0">
                 <a:solidFill>
-                  <a:srgbClr val="0000FF"/>
+                  <a:schemeClr val="accent1">
+                    <a:lumMod val="50000"/>
+                  </a:schemeClr>
                 </a:solidFill>
                 <a:latin typeface="Comic Sans MS" pitchFamily="66" charset="0"/>
               </a:rPr>
@@ -10240,9 +10223,20 @@
             </a:r>
             <a:r>
               <a:rPr lang="en-US" sz="4000" dirty="0" smtClean="0">
+                <a:solidFill>
+                  <a:schemeClr val="accent1">
+                    <a:lumMod val="50000"/>
+                  </a:schemeClr>
+                </a:solidFill>
                 <a:latin typeface="Comic Sans MS" pitchFamily="66" charset="0"/>
               </a:rPr>
-              <a:t> Q) is </a:t>
+              <a:t> Q</a:t>
+            </a:r>
+            <a:r>
+              <a:rPr lang="en-US" sz="4000" dirty="0" smtClean="0">
+                <a:latin typeface="Comic Sans MS" pitchFamily="66" charset="0"/>
+              </a:rPr>
+              <a:t>) is </a:t>
             </a:r>
             <a:r>
               <a:rPr lang="en-US" sz="4000" dirty="0" smtClean="0">
@@ -10272,9 +10266,18 @@
           <a:p>
             <a:r>
               <a:rPr lang="en-US" sz="4000" dirty="0" smtClean="0">
+                <a:solidFill>
+                  <a:srgbClr val="0000E5"/>
+                </a:solidFill>
                 <a:latin typeface="Comic Sans MS" pitchFamily="66" charset="0"/>
               </a:rPr>
-              <a:t>   P is</a:t>
+              <a:t>   P</a:t>
+            </a:r>
+            <a:r>
+              <a:rPr lang="en-US" sz="4000" dirty="0" smtClean="0">
+                <a:latin typeface="Comic Sans MS" pitchFamily="66" charset="0"/>
+              </a:rPr>
+              <a:t> is</a:t>
             </a:r>
             <a:r>
               <a:rPr lang="en-US" sz="4000" dirty="0" smtClean="0">
@@ -10298,7 +10301,22 @@
               <a:rPr lang="en-US" sz="4000" dirty="0" smtClean="0">
                 <a:latin typeface="Comic Sans MS" pitchFamily="66" charset="0"/>
               </a:rPr>
-              <a:t> and Q is </a:t>
+              <a:t> and </a:t>
+            </a:r>
+            <a:r>
+              <a:rPr lang="en-US" sz="4000" dirty="0" smtClean="0">
+                <a:solidFill>
+                  <a:srgbClr val="0000E5"/>
+                </a:solidFill>
+                <a:latin typeface="Comic Sans MS" pitchFamily="66" charset="0"/>
+              </a:rPr>
+              <a:t>Q</a:t>
+            </a:r>
+            <a:r>
+              <a:rPr lang="en-US" sz="4000" dirty="0" smtClean="0">
+                <a:latin typeface="Comic Sans MS" pitchFamily="66" charset="0"/>
+              </a:rPr>
+              <a:t> is </a:t>
             </a:r>
             <a:r>
               <a:rPr lang="en-US" sz="4000" dirty="0" smtClean="0">
@@ -10311,12 +10329,18 @@
             </a:r>
             <a:r>
               <a:rPr lang="en-US" sz="4000" dirty="0" smtClean="0">
+                <a:latin typeface="Comic Sans MS" pitchFamily="66" charset="0"/>
+              </a:rPr>
+              <a:t>.</a:t>
+            </a:r>
+            <a:r>
+              <a:rPr lang="en-US" sz="4000" dirty="0" smtClean="0">
                 <a:solidFill>
                   <a:srgbClr val="008000"/>
                 </a:solidFill>
                 <a:latin typeface="Comic Sans MS" pitchFamily="66" charset="0"/>
               </a:rPr>
-              <a:t>.  </a:t>
+              <a:t>  </a:t>
             </a:r>
             <a:r>
               <a:rPr lang="en-US" sz="4000" dirty="0" smtClean="0">
@@ -10464,25 +10488,25 @@
           <p:nvPr>
             <p:extLst>
               <p:ext uri="{D42A27DB-BD31-4B8C-83A1-F6EECF244321}">
-                <p14:modId xmlns:p14="http://schemas.microsoft.com/office/powerpoint/2010/main" val="3599843543"/>
+                <p14:modId xmlns:p14="http://schemas.microsoft.com/office/powerpoint/2010/main" val="2243925277"/>
               </p:ext>
             </p:extLst>
           </p:nvPr>
         </p:nvGraphicFramePr>
         <p:xfrm>
-          <a:off x="1217613" y="2930525"/>
-          <a:ext cx="6743700" cy="2503488"/>
+          <a:off x="2380949" y="2785805"/>
+          <a:ext cx="4307321" cy="3084632"/>
         </p:xfrm>
         <a:graphic>
           <a:graphicData uri="http://schemas.openxmlformats.org/presentationml/2006/ole">
             <mc:AlternateContent xmlns:mc="http://schemas.openxmlformats.org/markup-compatibility/2006">
               <mc:Choice xmlns:v="urn:schemas-microsoft-com:vml" Requires="v">
-                <p:oleObj spid="_x0000_s2057" name="Equation" r:id="rId4" imgW="1231900" imgH="457200" progId="Equation.DSMT4">
+                <p:oleObj spid="_x0000_s2065" name="Equation" r:id="rId4" imgW="939800" imgH="673100" progId="Equation.DSMT4">
                   <p:embed/>
                 </p:oleObj>
               </mc:Choice>
               <mc:Fallback>
-                <p:oleObj name="Equation" r:id="rId4" imgW="1231900" imgH="457200" progId="Equation.DSMT4">
+                <p:oleObj name="Equation" r:id="rId4" imgW="939800" imgH="673100" progId="Equation.DSMT4">
                   <p:embed/>
                   <p:pic>
                     <p:nvPicPr>
@@ -10498,8 +10522,8 @@
                     </p:blipFill>
                     <p:spPr>
                       <a:xfrm>
-                        <a:off x="1217613" y="2930525"/>
-                        <a:ext cx="6743700" cy="2503488"/>
+                        <a:off x="2380949" y="2785805"/>
+                        <a:ext cx="4307321" cy="3084632"/>
                       </a:xfrm>
                       <a:prstGeom prst="rect">
                         <a:avLst/>
@@ -10512,6 +10536,69 @@
           </a:graphicData>
         </a:graphic>
       </p:graphicFrame>
+      <p:sp>
+        <p:nvSpPr>
+          <p:cNvPr id="3" name="Rectangle 2"/>
+          <p:cNvSpPr/>
+          <p:nvPr/>
+        </p:nvSpPr>
+        <p:spPr bwMode="auto">
+          <a:xfrm>
+            <a:off x="2026745" y="2783054"/>
+            <a:ext cx="4904725" cy="3255904"/>
+          </a:xfrm>
+          <a:prstGeom prst="rect">
+            <a:avLst/>
+          </a:prstGeom>
+          <a:noFill/>
+          <a:ln w="31750" cap="flat" cmpd="sng" algn="ctr">
+            <a:solidFill>
+              <a:srgbClr val="BB0FAB"/>
+            </a:solidFill>
+            <a:prstDash val="sysDash"/>
+            <a:round/>
+            <a:headEnd type="none" w="med" len="med"/>
+            <a:tailEnd type="none" w="med" len="med"/>
+          </a:ln>
+          <a:effectLst/>
+        </p:spPr>
+        <p:txBody>
+          <a:bodyPr vert="horz" wrap="none" lIns="91440" tIns="45720" rIns="91440" bIns="45720" numCol="1" rtlCol="0" anchor="ctr" anchorCtr="0" compatLnSpc="1">
+            <a:prstTxWarp prst="textNoShape">
+              <a:avLst/>
+            </a:prstTxWarp>
+          </a:bodyPr>
+          <a:lstStyle/>
+          <a:p>
+            <a:pPr marL="0" marR="0" indent="0" algn="ctr" defTabSz="914400" rtl="0" eaLnBrk="1" fontAlgn="base" latinLnBrk="0" hangingPunct="1">
+              <a:lnSpc>
+                <a:spcPct val="100000"/>
+              </a:lnSpc>
+              <a:spcBef>
+                <a:spcPct val="0"/>
+              </a:spcBef>
+              <a:spcAft>
+                <a:spcPct val="0"/>
+              </a:spcAft>
+              <a:buClrTx/>
+              <a:buSzTx/>
+              <a:buFontTx/>
+              <a:buNone/>
+              <a:tabLst/>
+            </a:pPr>
+            <a:endParaRPr kumimoji="0" lang="en-US" sz="3200" b="0" i="0" u="none" strike="noStrike" cap="none" normalizeH="0" baseline="0" smtClean="0">
+              <a:ln>
+                <a:noFill/>
+              </a:ln>
+              <a:solidFill>
+                <a:schemeClr val="tx1"/>
+              </a:solidFill>
+              <a:effectLst/>
+              <a:latin typeface="Times New Roman" pitchFamily="18" charset="0"/>
+            </a:endParaRPr>
+          </a:p>
+        </p:txBody>
+      </p:sp>
     </p:spTree>
     <p:extLst>
       <p:ext uri="{BB962C8B-B14F-4D97-AF65-F5344CB8AC3E}">
@@ -10546,7 +10633,7 @@
                             </p:stCondLst>
                             <p:childTnLst>
                               <p:par>
-                                <p:cTn id="5" presetID="22" presetClass="entr" presetSubtype="8" fill="hold" nodeType="clickEffect">
+                                <p:cTn id="5" presetID="10" presetClass="entr" presetSubtype="0" fill="hold" nodeType="clickEffect">
                                   <p:stCondLst>
                                     <p:cond delay="0"/>
                                   </p:stCondLst>
@@ -10569,14 +10656,50 @@
                                         <p:strVal val="visible"/>
                                       </p:to>
                                     </p:set>
-                                    <p:animEffect transition="in" filter="wipe(left)">
+                                    <p:animEffect transition="in" filter="fade">
                                       <p:cBhvr>
-                                        <p:cTn id="7" dur="1000"/>
+                                        <p:cTn id="7" dur="500"/>
                                         <p:tgtEl>
                                           <p:spTgt spid="4"/>
                                         </p:tgtEl>
                                       </p:cBhvr>
                                     </p:animEffect>
+                                  </p:childTnLst>
+                                </p:cTn>
+                              </p:par>
+                            </p:childTnLst>
+                          </p:cTn>
+                        </p:par>
+                        <p:par>
+                          <p:cTn id="8" fill="hold">
+                            <p:stCondLst>
+                              <p:cond delay="500"/>
+                            </p:stCondLst>
+                            <p:childTnLst>
+                              <p:par>
+                                <p:cTn id="9" presetID="1" presetClass="entr" presetSubtype="0" fill="hold" grpId="0" nodeType="afterEffect">
+                                  <p:stCondLst>
+                                    <p:cond delay="1000"/>
+                                  </p:stCondLst>
+                                  <p:childTnLst>
+                                    <p:set>
+                                      <p:cBhvr>
+                                        <p:cTn id="10" dur="1" fill="hold">
+                                          <p:stCondLst>
+                                            <p:cond delay="0"/>
+                                          </p:stCondLst>
+                                        </p:cTn>
+                                        <p:tgtEl>
+                                          <p:spTgt spid="3"/>
+                                        </p:tgtEl>
+                                        <p:attrNameLst>
+                                          <p:attrName>style.visibility</p:attrName>
+                                        </p:attrNameLst>
+                                      </p:cBhvr>
+                                      <p:to>
+                                        <p:strVal val="visible"/>
+                                      </p:to>
+                                    </p:set>
                                   </p:childTnLst>
                                 </p:cTn>
                               </p:par>
@@ -10607,6 +10730,9 @@
         </p:cTn>
       </p:par>
     </p:tnLst>
+    <p:bldLst>
+      <p:bldP spid="3" grpId="0" animBg="1"/>
+    </p:bldLst>
   </p:timing>
 </p:sld>
 </file>
@@ -10630,6 +10756,1614 @@
       </p:grpSpPr>
       <p:sp>
         <p:nvSpPr>
+          <p:cNvPr id="2" name="Title 1"/>
+          <p:cNvSpPr>
+            <a:spLocks noGrp="1"/>
+          </p:cNvSpPr>
+          <p:nvPr>
+            <p:ph type="title"/>
+          </p:nvPr>
+        </p:nvSpPr>
+        <p:spPr>
+          <a:xfrm>
+            <a:off x="3158730" y="174396"/>
+            <a:ext cx="2760569" cy="902925"/>
+          </a:xfrm>
+        </p:spPr>
+        <p:txBody>
+          <a:bodyPr/>
+          <a:lstStyle/>
+          <a:p>
+            <a:r>
+              <a:rPr lang="en-US" sz="3600" dirty="0" smtClean="0"/>
+              <a:t> </a:t>
+            </a:r>
+            <a:r>
+              <a:rPr lang="en-US" sz="4000" dirty="0" smtClean="0">
+                <a:solidFill>
+                  <a:srgbClr val="0000FF"/>
+                </a:solidFill>
+              </a:rPr>
+              <a:t>IMPLIES</a:t>
+            </a:r>
+            <a:endParaRPr lang="en-US" sz="4000" dirty="0">
+              <a:solidFill>
+                <a:srgbClr val="0000FF"/>
+              </a:solidFill>
+            </a:endParaRPr>
+          </a:p>
+        </p:txBody>
+      </p:sp>
+      <p:graphicFrame>
+        <p:nvGraphicFramePr>
+          <p:cNvPr id="22" name="Table 21"/>
+          <p:cNvGraphicFramePr>
+            <a:graphicFrameLocks noGrp="1"/>
+          </p:cNvGraphicFramePr>
+          <p:nvPr>
+            <p:extLst>
+              <p:ext uri="{D42A27DB-BD31-4B8C-83A1-F6EECF244321}">
+                <p14:modId xmlns:p14="http://schemas.microsoft.com/office/powerpoint/2010/main" val="1566447740"/>
+              </p:ext>
+            </p:extLst>
+          </p:nvPr>
+        </p:nvGraphicFramePr>
+        <p:xfrm>
+          <a:off x="2415343" y="2926081"/>
+          <a:ext cx="4955421" cy="3506949"/>
+        </p:xfrm>
+        <a:graphic>
+          <a:graphicData uri="http://schemas.openxmlformats.org/drawingml/2006/table">
+            <a:tbl>
+              <a:tblPr firstRow="1" bandRow="1">
+                <a:tableStyleId>{7DF18680-E054-41AD-8BC1-D1AEF772440D}</a:tableStyleId>
+              </a:tblPr>
+              <a:tblGrid>
+                <a:gridCol w="1171767"/>
+                <a:gridCol w="1278458"/>
+                <a:gridCol w="2505196"/>
+              </a:tblGrid>
+              <a:tr h="702790">
+                <a:tc>
+                  <a:txBody>
+                    <a:bodyPr/>
+                    <a:lstStyle/>
+                    <a:p>
+                      <a:pPr algn="ctr"/>
+                      <a:r>
+                        <a:rPr lang="en-US" sz="2800" b="0" dirty="0" smtClean="0">
+                          <a:solidFill>
+                            <a:schemeClr val="tx1"/>
+                          </a:solidFill>
+                          <a:latin typeface="Comic Sans MS" pitchFamily="66" charset="0"/>
+                        </a:rPr>
+                        <a:t>P</a:t>
+                      </a:r>
+                      <a:endParaRPr lang="en-US" sz="2800" b="0" dirty="0">
+                        <a:solidFill>
+                          <a:schemeClr val="tx1"/>
+                        </a:solidFill>
+                        <a:latin typeface="Comic Sans MS" pitchFamily="66" charset="0"/>
+                      </a:endParaRPr>
+                    </a:p>
+                  </a:txBody>
+                  <a:tcPr marL="137160" marR="137160" marT="137160" marB="137160">
+                    <a:lnL w="12700" cap="flat" cmpd="sng" algn="ctr">
+                      <a:solidFill>
+                        <a:schemeClr val="tx1"/>
+                      </a:solidFill>
+                      <a:prstDash val="solid"/>
+                      <a:round/>
+                      <a:headEnd type="none" w="med" len="med"/>
+                      <a:tailEnd type="none" w="med" len="med"/>
+                    </a:lnL>
+                    <a:lnR w="12700" cap="flat" cmpd="sng" algn="ctr">
+                      <a:solidFill>
+                        <a:schemeClr val="tx1"/>
+                      </a:solidFill>
+                      <a:prstDash val="solid"/>
+                      <a:round/>
+                      <a:headEnd type="none" w="med" len="med"/>
+                      <a:tailEnd type="none" w="med" len="med"/>
+                    </a:lnR>
+                    <a:lnT w="12700" cap="flat" cmpd="sng" algn="ctr">
+                      <a:solidFill>
+                        <a:schemeClr val="tx1"/>
+                      </a:solidFill>
+                      <a:prstDash val="solid"/>
+                      <a:round/>
+                      <a:headEnd type="none" w="med" len="med"/>
+                      <a:tailEnd type="none" w="med" len="med"/>
+                    </a:lnT>
+                    <a:lnB w="12700" cap="flat" cmpd="sng" algn="ctr">
+                      <a:solidFill>
+                        <a:schemeClr val="tx1"/>
+                      </a:solidFill>
+                      <a:prstDash val="solid"/>
+                      <a:round/>
+                      <a:headEnd type="none" w="med" len="med"/>
+                      <a:tailEnd type="none" w="med" len="med"/>
+                    </a:lnB>
+                  </a:tcPr>
+                </a:tc>
+                <a:tc>
+                  <a:txBody>
+                    <a:bodyPr/>
+                    <a:lstStyle/>
+                    <a:p>
+                      <a:pPr algn="ctr"/>
+                      <a:r>
+                        <a:rPr lang="en-US" sz="2800" b="0" dirty="0" smtClean="0">
+                          <a:solidFill>
+                            <a:schemeClr val="tx1"/>
+                          </a:solidFill>
+                          <a:latin typeface="Comic Sans MS" pitchFamily="66" charset="0"/>
+                        </a:rPr>
+                        <a:t>Q</a:t>
+                      </a:r>
+                      <a:endParaRPr lang="en-US" sz="2800" b="0" dirty="0">
+                        <a:solidFill>
+                          <a:schemeClr val="tx1"/>
+                        </a:solidFill>
+                        <a:latin typeface="Comic Sans MS" pitchFamily="66" charset="0"/>
+                      </a:endParaRPr>
+                    </a:p>
+                  </a:txBody>
+                  <a:tcPr marL="137160" marR="137160" marT="137160" marB="137160">
+                    <a:lnL w="12700" cap="flat" cmpd="sng" algn="ctr">
+                      <a:solidFill>
+                        <a:schemeClr val="tx1"/>
+                      </a:solidFill>
+                      <a:prstDash val="solid"/>
+                      <a:round/>
+                      <a:headEnd type="none" w="med" len="med"/>
+                      <a:tailEnd type="none" w="med" len="med"/>
+                    </a:lnL>
+                    <a:lnR w="12700" cap="flat" cmpd="sng" algn="ctr">
+                      <a:solidFill>
+                        <a:schemeClr val="tx1"/>
+                      </a:solidFill>
+                      <a:prstDash val="solid"/>
+                      <a:round/>
+                      <a:headEnd type="none" w="med" len="med"/>
+                      <a:tailEnd type="none" w="med" len="med"/>
+                    </a:lnR>
+                    <a:lnT w="12700" cap="flat" cmpd="sng" algn="ctr">
+                      <a:solidFill>
+                        <a:schemeClr val="tx1"/>
+                      </a:solidFill>
+                      <a:prstDash val="solid"/>
+                      <a:round/>
+                      <a:headEnd type="none" w="med" len="med"/>
+                      <a:tailEnd type="none" w="med" len="med"/>
+                    </a:lnT>
+                    <a:lnB w="12700" cap="flat" cmpd="sng" algn="ctr">
+                      <a:solidFill>
+                        <a:schemeClr val="tx1"/>
+                      </a:solidFill>
+                      <a:prstDash val="solid"/>
+                      <a:round/>
+                      <a:headEnd type="none" w="med" len="med"/>
+                      <a:tailEnd type="none" w="med" len="med"/>
+                    </a:lnB>
+                  </a:tcPr>
+                </a:tc>
+                <a:tc>
+                  <a:txBody>
+                    <a:bodyPr/>
+                    <a:lstStyle/>
+                    <a:p>
+                      <a:pPr marL="0" marR="0" indent="0" algn="ctr" defTabSz="914400" rtl="0" eaLnBrk="1" fontAlgn="auto" latinLnBrk="0" hangingPunct="1">
+                        <a:lnSpc>
+                          <a:spcPct val="100000"/>
+                        </a:lnSpc>
+                        <a:spcBef>
+                          <a:spcPts val="0"/>
+                        </a:spcBef>
+                        <a:spcAft>
+                          <a:spcPts val="0"/>
+                        </a:spcAft>
+                        <a:buClrTx/>
+                        <a:buSzTx/>
+                        <a:buFontTx/>
+                        <a:buNone/>
+                        <a:tabLst/>
+                        <a:defRPr/>
+                      </a:pPr>
+                      <a:r>
+                        <a:rPr lang="en-US" sz="2800" b="0" baseline="0" dirty="0" smtClean="0">
+                          <a:solidFill>
+                            <a:schemeClr val="tx1"/>
+                          </a:solidFill>
+                          <a:latin typeface="Comic Sans MS" pitchFamily="66" charset="0"/>
+                        </a:rPr>
+                        <a:t>P </a:t>
+                      </a:r>
+                      <a:r>
+                        <a:rPr lang="en-US" sz="2400" b="0" baseline="0" dirty="0" smtClean="0">
+                          <a:solidFill>
+                            <a:schemeClr val="accent1">
+                              <a:lumMod val="50000"/>
+                            </a:schemeClr>
+                          </a:solidFill>
+                          <a:latin typeface="Comic Sans MS" pitchFamily="66" charset="0"/>
+                        </a:rPr>
+                        <a:t>IMPLIES </a:t>
+                      </a:r>
+                      <a:r>
+                        <a:rPr lang="en-US" sz="2800" b="0" baseline="0" dirty="0" smtClean="0">
+                          <a:solidFill>
+                            <a:schemeClr val="tx1"/>
+                          </a:solidFill>
+                          <a:latin typeface="Comic Sans MS" pitchFamily="66" charset="0"/>
+                        </a:rPr>
+                        <a:t>Q</a:t>
+                      </a:r>
+                      <a:endParaRPr lang="en-US" sz="2800" b="0" dirty="0">
+                        <a:solidFill>
+                          <a:schemeClr val="tx1"/>
+                        </a:solidFill>
+                        <a:latin typeface="Comic Sans MS" pitchFamily="66" charset="0"/>
+                      </a:endParaRPr>
+                    </a:p>
+                  </a:txBody>
+                  <a:tcPr marL="137160" marR="137160" marT="137160" marB="137160">
+                    <a:lnL w="12700" cap="flat" cmpd="sng" algn="ctr">
+                      <a:solidFill>
+                        <a:schemeClr val="tx1"/>
+                      </a:solidFill>
+                      <a:prstDash val="solid"/>
+                      <a:round/>
+                      <a:headEnd type="none" w="med" len="med"/>
+                      <a:tailEnd type="none" w="med" len="med"/>
+                    </a:lnL>
+                    <a:lnR w="12700" cap="flat" cmpd="sng" algn="ctr">
+                      <a:solidFill>
+                        <a:schemeClr val="tx1"/>
+                      </a:solidFill>
+                      <a:prstDash val="solid"/>
+                      <a:round/>
+                      <a:headEnd type="none" w="med" len="med"/>
+                      <a:tailEnd type="none" w="med" len="med"/>
+                    </a:lnR>
+                    <a:lnT w="12700" cap="flat" cmpd="sng" algn="ctr">
+                      <a:solidFill>
+                        <a:schemeClr val="tx1"/>
+                      </a:solidFill>
+                      <a:prstDash val="solid"/>
+                      <a:round/>
+                      <a:headEnd type="none" w="med" len="med"/>
+                      <a:tailEnd type="none" w="med" len="med"/>
+                    </a:lnT>
+                    <a:lnB w="12700" cap="flat" cmpd="sng" algn="ctr">
+                      <a:solidFill>
+                        <a:schemeClr val="tx1"/>
+                      </a:solidFill>
+                      <a:prstDash val="solid"/>
+                      <a:round/>
+                      <a:headEnd type="none" w="med" len="med"/>
+                      <a:tailEnd type="none" w="med" len="med"/>
+                    </a:lnB>
+                  </a:tcPr>
+                </a:tc>
+              </a:tr>
+              <a:tr h="699018">
+                <a:tc>
+                  <a:txBody>
+                    <a:bodyPr/>
+                    <a:lstStyle/>
+                    <a:p>
+                      <a:pPr algn="ctr"/>
+                      <a:r>
+                        <a:rPr lang="en-US" sz="2800" b="0" dirty="0" smtClean="0">
+                          <a:solidFill>
+                            <a:srgbClr val="33CC33"/>
+                          </a:solidFill>
+                          <a:latin typeface="Comic Sans MS" pitchFamily="66" charset="0"/>
+                        </a:rPr>
+                        <a:t>T</a:t>
+                      </a:r>
+                      <a:endParaRPr lang="en-US" sz="2800" b="0" dirty="0">
+                        <a:solidFill>
+                          <a:srgbClr val="33CC33"/>
+                        </a:solidFill>
+                        <a:latin typeface="Comic Sans MS" pitchFamily="66" charset="0"/>
+                      </a:endParaRPr>
+                    </a:p>
+                  </a:txBody>
+                  <a:tcPr marL="137160" marR="137160" marT="137160" marB="137160">
+                    <a:lnL w="12700" cap="flat" cmpd="sng" algn="ctr">
+                      <a:solidFill>
+                        <a:schemeClr val="tx1"/>
+                      </a:solidFill>
+                      <a:prstDash val="solid"/>
+                      <a:round/>
+                      <a:headEnd type="none" w="med" len="med"/>
+                      <a:tailEnd type="none" w="med" len="med"/>
+                    </a:lnL>
+                    <a:lnR w="12700" cap="flat" cmpd="sng" algn="ctr">
+                      <a:solidFill>
+                        <a:schemeClr val="tx1"/>
+                      </a:solidFill>
+                      <a:prstDash val="solid"/>
+                      <a:round/>
+                      <a:headEnd type="none" w="med" len="med"/>
+                      <a:tailEnd type="none" w="med" len="med"/>
+                    </a:lnR>
+                    <a:lnT w="12700" cap="flat" cmpd="sng" algn="ctr">
+                      <a:solidFill>
+                        <a:schemeClr val="tx1"/>
+                      </a:solidFill>
+                      <a:prstDash val="solid"/>
+                      <a:round/>
+                      <a:headEnd type="none" w="med" len="med"/>
+                      <a:tailEnd type="none" w="med" len="med"/>
+                    </a:lnT>
+                    <a:lnB w="12700" cap="flat" cmpd="sng" algn="ctr">
+                      <a:solidFill>
+                        <a:schemeClr val="tx1"/>
+                      </a:solidFill>
+                      <a:prstDash val="solid"/>
+                      <a:round/>
+                      <a:headEnd type="none" w="med" len="med"/>
+                      <a:tailEnd type="none" w="med" len="med"/>
+                    </a:lnB>
+                  </a:tcPr>
+                </a:tc>
+                <a:tc>
+                  <a:txBody>
+                    <a:bodyPr/>
+                    <a:lstStyle/>
+                    <a:p>
+                      <a:pPr algn="ctr"/>
+                      <a:r>
+                        <a:rPr lang="en-US" sz="2800" b="0" dirty="0" smtClean="0">
+                          <a:solidFill>
+                            <a:srgbClr val="33CC33"/>
+                          </a:solidFill>
+                          <a:latin typeface="Comic Sans MS" pitchFamily="66" charset="0"/>
+                        </a:rPr>
+                        <a:t>T</a:t>
+                      </a:r>
+                      <a:endParaRPr lang="en-US" sz="2800" b="0" dirty="0">
+                        <a:solidFill>
+                          <a:srgbClr val="33CC33"/>
+                        </a:solidFill>
+                        <a:latin typeface="Comic Sans MS" pitchFamily="66" charset="0"/>
+                      </a:endParaRPr>
+                    </a:p>
+                  </a:txBody>
+                  <a:tcPr marL="137160" marR="137160" marT="137160" marB="137160">
+                    <a:lnL w="12700" cap="flat" cmpd="sng" algn="ctr">
+                      <a:solidFill>
+                        <a:schemeClr val="tx1"/>
+                      </a:solidFill>
+                      <a:prstDash val="solid"/>
+                      <a:round/>
+                      <a:headEnd type="none" w="med" len="med"/>
+                      <a:tailEnd type="none" w="med" len="med"/>
+                    </a:lnL>
+                    <a:lnR w="12700" cap="flat" cmpd="sng" algn="ctr">
+                      <a:solidFill>
+                        <a:schemeClr val="tx1"/>
+                      </a:solidFill>
+                      <a:prstDash val="solid"/>
+                      <a:round/>
+                      <a:headEnd type="none" w="med" len="med"/>
+                      <a:tailEnd type="none" w="med" len="med"/>
+                    </a:lnR>
+                    <a:lnT w="12700" cap="flat" cmpd="sng" algn="ctr">
+                      <a:solidFill>
+                        <a:schemeClr val="tx1"/>
+                      </a:solidFill>
+                      <a:prstDash val="solid"/>
+                      <a:round/>
+                      <a:headEnd type="none" w="med" len="med"/>
+                      <a:tailEnd type="none" w="med" len="med"/>
+                    </a:lnT>
+                    <a:lnB w="12700" cap="flat" cmpd="sng" algn="ctr">
+                      <a:solidFill>
+                        <a:schemeClr val="tx1"/>
+                      </a:solidFill>
+                      <a:prstDash val="solid"/>
+                      <a:round/>
+                      <a:headEnd type="none" w="med" len="med"/>
+                      <a:tailEnd type="none" w="med" len="med"/>
+                    </a:lnB>
+                  </a:tcPr>
+                </a:tc>
+                <a:tc>
+                  <a:txBody>
+                    <a:bodyPr/>
+                    <a:lstStyle/>
+                    <a:p>
+                      <a:pPr algn="ctr"/>
+                      <a:r>
+                        <a:rPr lang="en-US" sz="2800" b="0" dirty="0" smtClean="0">
+                          <a:solidFill>
+                            <a:srgbClr val="33CC33"/>
+                          </a:solidFill>
+                          <a:latin typeface="Comic Sans MS" pitchFamily="66" charset="0"/>
+                        </a:rPr>
+                        <a:t>T</a:t>
+                      </a:r>
+                      <a:endParaRPr lang="en-US" sz="2800" b="0" dirty="0">
+                        <a:solidFill>
+                          <a:srgbClr val="33CC33"/>
+                        </a:solidFill>
+                        <a:latin typeface="Comic Sans MS" pitchFamily="66" charset="0"/>
+                      </a:endParaRPr>
+                    </a:p>
+                  </a:txBody>
+                  <a:tcPr marL="137160" marR="137160" marT="137160" marB="137160" anchor="ctr" anchorCtr="1">
+                    <a:lnL w="12700" cap="flat" cmpd="sng" algn="ctr">
+                      <a:solidFill>
+                        <a:schemeClr val="tx1"/>
+                      </a:solidFill>
+                      <a:prstDash val="solid"/>
+                      <a:round/>
+                      <a:headEnd type="none" w="med" len="med"/>
+                      <a:tailEnd type="none" w="med" len="med"/>
+                    </a:lnL>
+                    <a:lnR w="12700" cap="flat" cmpd="sng" algn="ctr">
+                      <a:solidFill>
+                        <a:schemeClr val="tx1"/>
+                      </a:solidFill>
+                      <a:prstDash val="solid"/>
+                      <a:round/>
+                      <a:headEnd type="none" w="med" len="med"/>
+                      <a:tailEnd type="none" w="med" len="med"/>
+                    </a:lnR>
+                    <a:lnT w="12700" cap="flat" cmpd="sng" algn="ctr">
+                      <a:solidFill>
+                        <a:schemeClr val="tx1"/>
+                      </a:solidFill>
+                      <a:prstDash val="solid"/>
+                      <a:round/>
+                      <a:headEnd type="none" w="med" len="med"/>
+                      <a:tailEnd type="none" w="med" len="med"/>
+                    </a:lnT>
+                    <a:lnB w="12700" cap="flat" cmpd="sng" algn="ctr">
+                      <a:solidFill>
+                        <a:schemeClr val="tx1"/>
+                      </a:solidFill>
+                      <a:prstDash val="solid"/>
+                      <a:round/>
+                      <a:headEnd type="none" w="med" len="med"/>
+                      <a:tailEnd type="none" w="med" len="med"/>
+                    </a:lnB>
+                    <a:solidFill>
+                      <a:schemeClr val="accent5">
+                        <a:tint val="40000"/>
+                      </a:schemeClr>
+                    </a:solidFill>
+                  </a:tcPr>
+                </a:tc>
+              </a:tr>
+              <a:tr h="699018">
+                <a:tc>
+                  <a:txBody>
+                    <a:bodyPr/>
+                    <a:lstStyle/>
+                    <a:p>
+                      <a:pPr algn="ctr"/>
+                      <a:r>
+                        <a:rPr lang="en-US" sz="2800" b="0" dirty="0" smtClean="0">
+                          <a:solidFill>
+                            <a:srgbClr val="33CC33"/>
+                          </a:solidFill>
+                          <a:latin typeface="Comic Sans MS" pitchFamily="66" charset="0"/>
+                        </a:rPr>
+                        <a:t>T</a:t>
+                      </a:r>
+                      <a:endParaRPr lang="en-US" sz="2800" b="0" dirty="0">
+                        <a:solidFill>
+                          <a:srgbClr val="33CC33"/>
+                        </a:solidFill>
+                        <a:latin typeface="Comic Sans MS" pitchFamily="66" charset="0"/>
+                      </a:endParaRPr>
+                    </a:p>
+                  </a:txBody>
+                  <a:tcPr marL="137160" marR="137160" marT="137160" marB="137160">
+                    <a:lnL w="12700" cap="flat" cmpd="sng" algn="ctr">
+                      <a:solidFill>
+                        <a:schemeClr val="tx1"/>
+                      </a:solidFill>
+                      <a:prstDash val="solid"/>
+                      <a:round/>
+                      <a:headEnd type="none" w="med" len="med"/>
+                      <a:tailEnd type="none" w="med" len="med"/>
+                    </a:lnL>
+                    <a:lnR w="12700" cap="flat" cmpd="sng" algn="ctr">
+                      <a:solidFill>
+                        <a:schemeClr val="tx1"/>
+                      </a:solidFill>
+                      <a:prstDash val="solid"/>
+                      <a:round/>
+                      <a:headEnd type="none" w="med" len="med"/>
+                      <a:tailEnd type="none" w="med" len="med"/>
+                    </a:lnR>
+                    <a:lnT w="12700" cap="flat" cmpd="sng" algn="ctr">
+                      <a:solidFill>
+                        <a:schemeClr val="tx1"/>
+                      </a:solidFill>
+                      <a:prstDash val="solid"/>
+                      <a:round/>
+                      <a:headEnd type="none" w="med" len="med"/>
+                      <a:tailEnd type="none" w="med" len="med"/>
+                    </a:lnT>
+                    <a:lnB w="12700" cap="flat" cmpd="sng" algn="ctr">
+                      <a:solidFill>
+                        <a:schemeClr val="tx1"/>
+                      </a:solidFill>
+                      <a:prstDash val="solid"/>
+                      <a:round/>
+                      <a:headEnd type="none" w="med" len="med"/>
+                      <a:tailEnd type="none" w="med" len="med"/>
+                    </a:lnB>
+                  </a:tcPr>
+                </a:tc>
+                <a:tc>
+                  <a:txBody>
+                    <a:bodyPr/>
+                    <a:lstStyle/>
+                    <a:p>
+                      <a:pPr algn="ctr"/>
+                      <a:r>
+                        <a:rPr lang="en-US" sz="2800" b="0" dirty="0" smtClean="0">
+                          <a:solidFill>
+                            <a:srgbClr val="C00000"/>
+                          </a:solidFill>
+                          <a:latin typeface="Comic Sans MS" pitchFamily="66" charset="0"/>
+                        </a:rPr>
+                        <a:t>F</a:t>
+                      </a:r>
+                      <a:endParaRPr lang="en-US" sz="2800" b="0" dirty="0">
+                        <a:solidFill>
+                          <a:srgbClr val="C00000"/>
+                        </a:solidFill>
+                        <a:latin typeface="Comic Sans MS" pitchFamily="66" charset="0"/>
+                      </a:endParaRPr>
+                    </a:p>
+                  </a:txBody>
+                  <a:tcPr marL="137160" marR="137160" marT="137160" marB="137160">
+                    <a:lnL w="12700" cap="flat" cmpd="sng" algn="ctr">
+                      <a:solidFill>
+                        <a:schemeClr val="tx1"/>
+                      </a:solidFill>
+                      <a:prstDash val="solid"/>
+                      <a:round/>
+                      <a:headEnd type="none" w="med" len="med"/>
+                      <a:tailEnd type="none" w="med" len="med"/>
+                    </a:lnL>
+                    <a:lnR w="12700" cap="flat" cmpd="sng" algn="ctr">
+                      <a:solidFill>
+                        <a:schemeClr val="tx1"/>
+                      </a:solidFill>
+                      <a:prstDash val="solid"/>
+                      <a:round/>
+                      <a:headEnd type="none" w="med" len="med"/>
+                      <a:tailEnd type="none" w="med" len="med"/>
+                    </a:lnR>
+                    <a:lnT w="12700" cap="flat" cmpd="sng" algn="ctr">
+                      <a:solidFill>
+                        <a:schemeClr val="tx1"/>
+                      </a:solidFill>
+                      <a:prstDash val="solid"/>
+                      <a:round/>
+                      <a:headEnd type="none" w="med" len="med"/>
+                      <a:tailEnd type="none" w="med" len="med"/>
+                    </a:lnT>
+                    <a:lnB w="12700" cap="flat" cmpd="sng" algn="ctr">
+                      <a:solidFill>
+                        <a:schemeClr val="tx1"/>
+                      </a:solidFill>
+                      <a:prstDash val="solid"/>
+                      <a:round/>
+                      <a:headEnd type="none" w="med" len="med"/>
+                      <a:tailEnd type="none" w="med" len="med"/>
+                    </a:lnB>
+                  </a:tcPr>
+                </a:tc>
+                <a:tc>
+                  <a:txBody>
+                    <a:bodyPr/>
+                    <a:lstStyle/>
+                    <a:p>
+                      <a:pPr algn="ctr"/>
+                      <a:r>
+                        <a:rPr lang="en-US" sz="2800" b="0" dirty="0" smtClean="0">
+                          <a:solidFill>
+                            <a:srgbClr val="C00000"/>
+                          </a:solidFill>
+                          <a:latin typeface="Comic Sans MS" pitchFamily="66" charset="0"/>
+                        </a:rPr>
+                        <a:t>F</a:t>
+                      </a:r>
+                      <a:endParaRPr lang="en-US" sz="2800" b="0" dirty="0">
+                        <a:solidFill>
+                          <a:srgbClr val="C00000"/>
+                        </a:solidFill>
+                        <a:latin typeface="Comic Sans MS" pitchFamily="66" charset="0"/>
+                      </a:endParaRPr>
+                    </a:p>
+                  </a:txBody>
+                  <a:tcPr marL="137160" marR="137160" marT="137160" marB="137160">
+                    <a:lnL w="12700" cap="flat" cmpd="sng" algn="ctr">
+                      <a:solidFill>
+                        <a:schemeClr val="tx1"/>
+                      </a:solidFill>
+                      <a:prstDash val="solid"/>
+                      <a:round/>
+                      <a:headEnd type="none" w="med" len="med"/>
+                      <a:tailEnd type="none" w="med" len="med"/>
+                    </a:lnL>
+                    <a:lnR w="12700" cap="flat" cmpd="sng" algn="ctr">
+                      <a:solidFill>
+                        <a:schemeClr val="tx1"/>
+                      </a:solidFill>
+                      <a:prstDash val="solid"/>
+                      <a:round/>
+                      <a:headEnd type="none" w="med" len="med"/>
+                      <a:tailEnd type="none" w="med" len="med"/>
+                    </a:lnR>
+                    <a:lnT w="12700" cap="flat" cmpd="sng" algn="ctr">
+                      <a:solidFill>
+                        <a:schemeClr val="tx1"/>
+                      </a:solidFill>
+                      <a:prstDash val="solid"/>
+                      <a:round/>
+                      <a:headEnd type="none" w="med" len="med"/>
+                      <a:tailEnd type="none" w="med" len="med"/>
+                    </a:lnT>
+                    <a:lnB w="12700" cap="flat" cmpd="sng" algn="ctr">
+                      <a:solidFill>
+                        <a:schemeClr val="tx1"/>
+                      </a:solidFill>
+                      <a:prstDash val="solid"/>
+                      <a:round/>
+                      <a:headEnd type="none" w="med" len="med"/>
+                      <a:tailEnd type="none" w="med" len="med"/>
+                    </a:lnB>
+                  </a:tcPr>
+                </a:tc>
+              </a:tr>
+              <a:tr h="699018">
+                <a:tc>
+                  <a:txBody>
+                    <a:bodyPr/>
+                    <a:lstStyle/>
+                    <a:p>
+                      <a:pPr algn="ctr"/>
+                      <a:r>
+                        <a:rPr lang="en-US" sz="2800" b="0" dirty="0" smtClean="0">
+                          <a:solidFill>
+                            <a:srgbClr val="C00000"/>
+                          </a:solidFill>
+                          <a:latin typeface="Comic Sans MS" pitchFamily="66" charset="0"/>
+                        </a:rPr>
+                        <a:t>F</a:t>
+                      </a:r>
+                      <a:endParaRPr lang="en-US" sz="2800" b="0" dirty="0">
+                        <a:solidFill>
+                          <a:srgbClr val="C00000"/>
+                        </a:solidFill>
+                        <a:latin typeface="Comic Sans MS" pitchFamily="66" charset="0"/>
+                      </a:endParaRPr>
+                    </a:p>
+                  </a:txBody>
+                  <a:tcPr marL="137160" marR="137160" marT="137160" marB="137160">
+                    <a:lnL w="12700" cap="flat" cmpd="sng" algn="ctr">
+                      <a:solidFill>
+                        <a:schemeClr val="tx1"/>
+                      </a:solidFill>
+                      <a:prstDash val="solid"/>
+                      <a:round/>
+                      <a:headEnd type="none" w="med" len="med"/>
+                      <a:tailEnd type="none" w="med" len="med"/>
+                    </a:lnL>
+                    <a:lnR w="12700" cap="flat" cmpd="sng" algn="ctr">
+                      <a:solidFill>
+                        <a:schemeClr val="tx1"/>
+                      </a:solidFill>
+                      <a:prstDash val="solid"/>
+                      <a:round/>
+                      <a:headEnd type="none" w="med" len="med"/>
+                      <a:tailEnd type="none" w="med" len="med"/>
+                    </a:lnR>
+                    <a:lnT w="12700" cap="flat" cmpd="sng" algn="ctr">
+                      <a:solidFill>
+                        <a:schemeClr val="tx1"/>
+                      </a:solidFill>
+                      <a:prstDash val="solid"/>
+                      <a:round/>
+                      <a:headEnd type="none" w="med" len="med"/>
+                      <a:tailEnd type="none" w="med" len="med"/>
+                    </a:lnT>
+                    <a:lnB w="12700" cap="flat" cmpd="sng" algn="ctr">
+                      <a:solidFill>
+                        <a:schemeClr val="tx1"/>
+                      </a:solidFill>
+                      <a:prstDash val="solid"/>
+                      <a:round/>
+                      <a:headEnd type="none" w="med" len="med"/>
+                      <a:tailEnd type="none" w="med" len="med"/>
+                    </a:lnB>
+                  </a:tcPr>
+                </a:tc>
+                <a:tc>
+                  <a:txBody>
+                    <a:bodyPr/>
+                    <a:lstStyle/>
+                    <a:p>
+                      <a:pPr algn="ctr"/>
+                      <a:r>
+                        <a:rPr lang="en-US" sz="2800" b="0" dirty="0" smtClean="0">
+                          <a:solidFill>
+                            <a:srgbClr val="33CC33"/>
+                          </a:solidFill>
+                          <a:latin typeface="Comic Sans MS" pitchFamily="66" charset="0"/>
+                        </a:rPr>
+                        <a:t>T</a:t>
+                      </a:r>
+                      <a:endParaRPr lang="en-US" sz="2800" b="0" dirty="0">
+                        <a:solidFill>
+                          <a:srgbClr val="33CC33"/>
+                        </a:solidFill>
+                        <a:latin typeface="Comic Sans MS" pitchFamily="66" charset="0"/>
+                      </a:endParaRPr>
+                    </a:p>
+                  </a:txBody>
+                  <a:tcPr marL="137160" marR="137160" marT="137160" marB="137160">
+                    <a:lnL w="12700" cap="flat" cmpd="sng" algn="ctr">
+                      <a:solidFill>
+                        <a:schemeClr val="tx1"/>
+                      </a:solidFill>
+                      <a:prstDash val="solid"/>
+                      <a:round/>
+                      <a:headEnd type="none" w="med" len="med"/>
+                      <a:tailEnd type="none" w="med" len="med"/>
+                    </a:lnL>
+                    <a:lnR w="12700" cap="flat" cmpd="sng" algn="ctr">
+                      <a:solidFill>
+                        <a:schemeClr val="tx1"/>
+                      </a:solidFill>
+                      <a:prstDash val="solid"/>
+                      <a:round/>
+                      <a:headEnd type="none" w="med" len="med"/>
+                      <a:tailEnd type="none" w="med" len="med"/>
+                    </a:lnR>
+                    <a:lnT w="12700" cap="flat" cmpd="sng" algn="ctr">
+                      <a:solidFill>
+                        <a:schemeClr val="tx1"/>
+                      </a:solidFill>
+                      <a:prstDash val="solid"/>
+                      <a:round/>
+                      <a:headEnd type="none" w="med" len="med"/>
+                      <a:tailEnd type="none" w="med" len="med"/>
+                    </a:lnT>
+                    <a:lnB w="12700" cap="flat" cmpd="sng" algn="ctr">
+                      <a:solidFill>
+                        <a:schemeClr val="tx1"/>
+                      </a:solidFill>
+                      <a:prstDash val="solid"/>
+                      <a:round/>
+                      <a:headEnd type="none" w="med" len="med"/>
+                      <a:tailEnd type="none" w="med" len="med"/>
+                    </a:lnB>
+                  </a:tcPr>
+                </a:tc>
+                <a:tc>
+                  <a:txBody>
+                    <a:bodyPr/>
+                    <a:lstStyle/>
+                    <a:p>
+                      <a:pPr algn="ctr"/>
+                      <a:r>
+                        <a:rPr lang="en-US" sz="2800" b="0" dirty="0" smtClean="0">
+                          <a:solidFill>
+                            <a:srgbClr val="33CC33"/>
+                          </a:solidFill>
+                          <a:latin typeface="Comic Sans MS" pitchFamily="66" charset="0"/>
+                        </a:rPr>
+                        <a:t>T</a:t>
+                      </a:r>
+                      <a:endParaRPr lang="en-US" sz="2800" b="0" dirty="0">
+                        <a:solidFill>
+                          <a:srgbClr val="33CC33"/>
+                        </a:solidFill>
+                        <a:latin typeface="Comic Sans MS" pitchFamily="66" charset="0"/>
+                      </a:endParaRPr>
+                    </a:p>
+                  </a:txBody>
+                  <a:tcPr marL="137160" marR="137160" marT="137160" marB="137160">
+                    <a:lnL w="12700" cap="flat" cmpd="sng" algn="ctr">
+                      <a:solidFill>
+                        <a:schemeClr val="tx1"/>
+                      </a:solidFill>
+                      <a:prstDash val="solid"/>
+                      <a:round/>
+                      <a:headEnd type="none" w="med" len="med"/>
+                      <a:tailEnd type="none" w="med" len="med"/>
+                    </a:lnL>
+                    <a:lnR w="12700" cap="flat" cmpd="sng" algn="ctr">
+                      <a:solidFill>
+                        <a:schemeClr val="tx1"/>
+                      </a:solidFill>
+                      <a:prstDash val="solid"/>
+                      <a:round/>
+                      <a:headEnd type="none" w="med" len="med"/>
+                      <a:tailEnd type="none" w="med" len="med"/>
+                    </a:lnR>
+                    <a:lnT w="12700" cap="flat" cmpd="sng" algn="ctr">
+                      <a:solidFill>
+                        <a:schemeClr val="tx1"/>
+                      </a:solidFill>
+                      <a:prstDash val="solid"/>
+                      <a:round/>
+                      <a:headEnd type="none" w="med" len="med"/>
+                      <a:tailEnd type="none" w="med" len="med"/>
+                    </a:lnT>
+                    <a:lnB w="12700" cap="flat" cmpd="sng" algn="ctr">
+                      <a:solidFill>
+                        <a:schemeClr val="tx1"/>
+                      </a:solidFill>
+                      <a:prstDash val="solid"/>
+                      <a:round/>
+                      <a:headEnd type="none" w="med" len="med"/>
+                      <a:tailEnd type="none" w="med" len="med"/>
+                    </a:lnB>
+                  </a:tcPr>
+                </a:tc>
+              </a:tr>
+              <a:tr h="699018">
+                <a:tc>
+                  <a:txBody>
+                    <a:bodyPr/>
+                    <a:lstStyle/>
+                    <a:p>
+                      <a:pPr algn="ctr"/>
+                      <a:r>
+                        <a:rPr lang="en-US" sz="2800" b="0" dirty="0" smtClean="0">
+                          <a:solidFill>
+                            <a:srgbClr val="C00000"/>
+                          </a:solidFill>
+                          <a:latin typeface="Comic Sans MS" pitchFamily="66" charset="0"/>
+                        </a:rPr>
+                        <a:t>F</a:t>
+                      </a:r>
+                      <a:endParaRPr lang="en-US" sz="2800" b="0" dirty="0">
+                        <a:solidFill>
+                          <a:srgbClr val="C00000"/>
+                        </a:solidFill>
+                        <a:latin typeface="Comic Sans MS" pitchFamily="66" charset="0"/>
+                      </a:endParaRPr>
+                    </a:p>
+                  </a:txBody>
+                  <a:tcPr marL="137160" marR="137160" marT="137160" marB="137160">
+                    <a:lnL w="12700" cap="flat" cmpd="sng" algn="ctr">
+                      <a:solidFill>
+                        <a:schemeClr val="tx1"/>
+                      </a:solidFill>
+                      <a:prstDash val="solid"/>
+                      <a:round/>
+                      <a:headEnd type="none" w="med" len="med"/>
+                      <a:tailEnd type="none" w="med" len="med"/>
+                    </a:lnL>
+                    <a:lnR w="12700" cap="flat" cmpd="sng" algn="ctr">
+                      <a:solidFill>
+                        <a:schemeClr val="tx1"/>
+                      </a:solidFill>
+                      <a:prstDash val="solid"/>
+                      <a:round/>
+                      <a:headEnd type="none" w="med" len="med"/>
+                      <a:tailEnd type="none" w="med" len="med"/>
+                    </a:lnR>
+                    <a:lnT w="12700" cap="flat" cmpd="sng" algn="ctr">
+                      <a:solidFill>
+                        <a:schemeClr val="tx1"/>
+                      </a:solidFill>
+                      <a:prstDash val="solid"/>
+                      <a:round/>
+                      <a:headEnd type="none" w="med" len="med"/>
+                      <a:tailEnd type="none" w="med" len="med"/>
+                    </a:lnT>
+                    <a:lnB w="12700" cap="flat" cmpd="sng" algn="ctr">
+                      <a:solidFill>
+                        <a:schemeClr val="tx1"/>
+                      </a:solidFill>
+                      <a:prstDash val="solid"/>
+                      <a:round/>
+                      <a:headEnd type="none" w="med" len="med"/>
+                      <a:tailEnd type="none" w="med" len="med"/>
+                    </a:lnB>
+                  </a:tcPr>
+                </a:tc>
+                <a:tc>
+                  <a:txBody>
+                    <a:bodyPr/>
+                    <a:lstStyle/>
+                    <a:p>
+                      <a:pPr algn="ctr"/>
+                      <a:r>
+                        <a:rPr lang="en-US" sz="2800" b="0" dirty="0" smtClean="0">
+                          <a:solidFill>
+                            <a:srgbClr val="C00000"/>
+                          </a:solidFill>
+                          <a:latin typeface="Comic Sans MS" pitchFamily="66" charset="0"/>
+                        </a:rPr>
+                        <a:t>F</a:t>
+                      </a:r>
+                      <a:endParaRPr lang="en-US" sz="2800" b="0" dirty="0">
+                        <a:solidFill>
+                          <a:srgbClr val="C00000"/>
+                        </a:solidFill>
+                        <a:latin typeface="Comic Sans MS" pitchFamily="66" charset="0"/>
+                      </a:endParaRPr>
+                    </a:p>
+                  </a:txBody>
+                  <a:tcPr marL="137160" marR="137160" marT="137160" marB="137160">
+                    <a:lnL w="12700" cap="flat" cmpd="sng" algn="ctr">
+                      <a:solidFill>
+                        <a:schemeClr val="tx1"/>
+                      </a:solidFill>
+                      <a:prstDash val="solid"/>
+                      <a:round/>
+                      <a:headEnd type="none" w="med" len="med"/>
+                      <a:tailEnd type="none" w="med" len="med"/>
+                    </a:lnL>
+                    <a:lnR w="12700" cap="flat" cmpd="sng" algn="ctr">
+                      <a:solidFill>
+                        <a:schemeClr val="tx1"/>
+                      </a:solidFill>
+                      <a:prstDash val="solid"/>
+                      <a:round/>
+                      <a:headEnd type="none" w="med" len="med"/>
+                      <a:tailEnd type="none" w="med" len="med"/>
+                    </a:lnR>
+                    <a:lnT w="12700" cap="flat" cmpd="sng" algn="ctr">
+                      <a:solidFill>
+                        <a:schemeClr val="tx1"/>
+                      </a:solidFill>
+                      <a:prstDash val="solid"/>
+                      <a:round/>
+                      <a:headEnd type="none" w="med" len="med"/>
+                      <a:tailEnd type="none" w="med" len="med"/>
+                    </a:lnT>
+                    <a:lnB w="12700" cap="flat" cmpd="sng" algn="ctr">
+                      <a:solidFill>
+                        <a:schemeClr val="tx1"/>
+                      </a:solidFill>
+                      <a:prstDash val="solid"/>
+                      <a:round/>
+                      <a:headEnd type="none" w="med" len="med"/>
+                      <a:tailEnd type="none" w="med" len="med"/>
+                    </a:lnB>
+                  </a:tcPr>
+                </a:tc>
+                <a:tc>
+                  <a:txBody>
+                    <a:bodyPr/>
+                    <a:lstStyle/>
+                    <a:p>
+                      <a:pPr marL="0" marR="0" indent="0" algn="ctr" defTabSz="914400" rtl="0" eaLnBrk="1" fontAlgn="auto" latinLnBrk="0" hangingPunct="1">
+                        <a:lnSpc>
+                          <a:spcPct val="100000"/>
+                        </a:lnSpc>
+                        <a:spcBef>
+                          <a:spcPts val="0"/>
+                        </a:spcBef>
+                        <a:spcAft>
+                          <a:spcPts val="0"/>
+                        </a:spcAft>
+                        <a:buClrTx/>
+                        <a:buSzTx/>
+                        <a:buFontTx/>
+                        <a:buNone/>
+                        <a:tabLst/>
+                        <a:defRPr/>
+                      </a:pPr>
+                      <a:r>
+                        <a:rPr lang="en-US" sz="2800" b="0" dirty="0" smtClean="0">
+                          <a:solidFill>
+                            <a:srgbClr val="33CC33"/>
+                          </a:solidFill>
+                          <a:latin typeface="Comic Sans MS" pitchFamily="66" charset="0"/>
+                        </a:rPr>
+                        <a:t>T</a:t>
+                      </a:r>
+                    </a:p>
+                  </a:txBody>
+                  <a:tcPr marL="137160" marR="137160" marT="137160" marB="137160">
+                    <a:lnL w="12700" cap="flat" cmpd="sng" algn="ctr">
+                      <a:solidFill>
+                        <a:schemeClr val="tx1"/>
+                      </a:solidFill>
+                      <a:prstDash val="solid"/>
+                      <a:round/>
+                      <a:headEnd type="none" w="med" len="med"/>
+                      <a:tailEnd type="none" w="med" len="med"/>
+                    </a:lnL>
+                    <a:lnR w="12700" cap="flat" cmpd="sng" algn="ctr">
+                      <a:solidFill>
+                        <a:schemeClr val="tx1"/>
+                      </a:solidFill>
+                      <a:prstDash val="solid"/>
+                      <a:round/>
+                      <a:headEnd type="none" w="med" len="med"/>
+                      <a:tailEnd type="none" w="med" len="med"/>
+                    </a:lnR>
+                    <a:lnT w="12700" cap="flat" cmpd="sng" algn="ctr">
+                      <a:solidFill>
+                        <a:schemeClr val="tx1"/>
+                      </a:solidFill>
+                      <a:prstDash val="solid"/>
+                      <a:round/>
+                      <a:headEnd type="none" w="med" len="med"/>
+                      <a:tailEnd type="none" w="med" len="med"/>
+                    </a:lnT>
+                    <a:lnB w="12700" cap="flat" cmpd="sng" algn="ctr">
+                      <a:solidFill>
+                        <a:schemeClr val="tx1"/>
+                      </a:solidFill>
+                      <a:prstDash val="solid"/>
+                      <a:round/>
+                      <a:headEnd type="none" w="med" len="med"/>
+                      <a:tailEnd type="none" w="med" len="med"/>
+                    </a:lnB>
+                  </a:tcPr>
+                </a:tc>
+              </a:tr>
+            </a:tbl>
+          </a:graphicData>
+        </a:graphic>
+      </p:graphicFrame>
+      <p:sp>
+        <p:nvSpPr>
+          <p:cNvPr id="23" name="TextBox 22"/>
+          <p:cNvSpPr txBox="1"/>
+          <p:nvPr/>
+        </p:nvSpPr>
+        <p:spPr>
+          <a:xfrm>
+            <a:off x="1378657" y="1132116"/>
+            <a:ext cx="7090403" cy="1077218"/>
+          </a:xfrm>
+          <a:prstGeom prst="rect">
+            <a:avLst/>
+          </a:prstGeom>
+          <a:noFill/>
+        </p:spPr>
+        <p:txBody>
+          <a:bodyPr wrap="none" rtlCol="0">
+            <a:spAutoFit/>
+          </a:bodyPr>
+          <a:lstStyle/>
+          <a:p>
+            <a:r>
+              <a:rPr lang="en-US" sz="3200" dirty="0" smtClean="0">
+                <a:latin typeface="Comic Sans MS" pitchFamily="66" charset="0"/>
+              </a:rPr>
+              <a:t>The value of (P </a:t>
+            </a:r>
+            <a:r>
+              <a:rPr lang="en-US" sz="2800" dirty="0" smtClean="0">
+                <a:solidFill>
+                  <a:srgbClr val="0000FF"/>
+                </a:solidFill>
+                <a:latin typeface="Comic Sans MS" pitchFamily="66" charset="0"/>
+              </a:rPr>
+              <a:t>IMPLIES</a:t>
+            </a:r>
+            <a:r>
+              <a:rPr lang="en-US" sz="3200" dirty="0" smtClean="0">
+                <a:latin typeface="Comic Sans MS" pitchFamily="66" charset="0"/>
+              </a:rPr>
+              <a:t> Q) is </a:t>
+            </a:r>
+            <a:r>
+              <a:rPr lang="en-US" sz="3200" dirty="0" smtClean="0">
+                <a:solidFill>
+                  <a:srgbClr val="FF0000"/>
+                </a:solidFill>
+                <a:latin typeface="Comic Sans MS" pitchFamily="66" charset="0"/>
+              </a:rPr>
+              <a:t>F</a:t>
+            </a:r>
+            <a:r>
+              <a:rPr lang="en-US" sz="3200" dirty="0" smtClean="0">
+                <a:latin typeface="Comic Sans MS" pitchFamily="66" charset="0"/>
+              </a:rPr>
+              <a:t> </a:t>
+            </a:r>
+            <a:r>
+              <a:rPr lang="en-US" sz="3200" dirty="0" err="1" smtClean="0">
+                <a:latin typeface="Comic Sans MS" pitchFamily="66" charset="0"/>
+              </a:rPr>
+              <a:t>iff</a:t>
+            </a:r>
+            <a:endParaRPr lang="en-US" sz="3200" dirty="0" smtClean="0">
+              <a:latin typeface="Comic Sans MS" pitchFamily="66" charset="0"/>
+            </a:endParaRPr>
+          </a:p>
+          <a:p>
+            <a:r>
+              <a:rPr lang="en-US" sz="3200" dirty="0" smtClean="0">
+                <a:latin typeface="Comic Sans MS" pitchFamily="66" charset="0"/>
+              </a:rPr>
+              <a:t>   P is</a:t>
+            </a:r>
+            <a:r>
+              <a:rPr lang="en-US" sz="3200" dirty="0" smtClean="0">
+                <a:solidFill>
+                  <a:srgbClr val="FF0000"/>
+                </a:solidFill>
+                <a:latin typeface="Comic Sans MS" pitchFamily="66" charset="0"/>
+              </a:rPr>
+              <a:t> </a:t>
+            </a:r>
+            <a:r>
+              <a:rPr lang="en-US" sz="3200" dirty="0" smtClean="0">
+                <a:solidFill>
+                  <a:srgbClr val="33CC33"/>
+                </a:solidFill>
+                <a:latin typeface="Comic Sans MS" pitchFamily="66" charset="0"/>
+              </a:rPr>
+              <a:t>T</a:t>
+            </a:r>
+            <a:r>
+              <a:rPr lang="en-US" sz="3200" dirty="0" smtClean="0">
+                <a:latin typeface="Comic Sans MS" pitchFamily="66" charset="0"/>
+              </a:rPr>
+              <a:t> and Q is </a:t>
+            </a:r>
+            <a:r>
+              <a:rPr lang="en-US" sz="3200" dirty="0" smtClean="0">
+                <a:solidFill>
+                  <a:srgbClr val="FF0000"/>
+                </a:solidFill>
+                <a:latin typeface="Comic Sans MS" pitchFamily="66" charset="0"/>
+              </a:rPr>
+              <a:t>F</a:t>
+            </a:r>
+            <a:r>
+              <a:rPr lang="en-US" sz="3200" dirty="0" smtClean="0">
+                <a:solidFill>
+                  <a:srgbClr val="008000"/>
+                </a:solidFill>
+                <a:latin typeface="Comic Sans MS" pitchFamily="66" charset="0"/>
+              </a:rPr>
+              <a:t>.</a:t>
+            </a:r>
+            <a:endParaRPr lang="en-US" sz="3200" dirty="0">
+              <a:latin typeface="Comic Sans MS" pitchFamily="66" charset="0"/>
+            </a:endParaRPr>
+          </a:p>
+        </p:txBody>
+      </p:sp>
+      <p:sp>
+        <p:nvSpPr>
+          <p:cNvPr id="24" name="TextBox 23"/>
+          <p:cNvSpPr txBox="1"/>
+          <p:nvPr/>
+        </p:nvSpPr>
+        <p:spPr>
+          <a:xfrm>
+            <a:off x="1926534" y="2212521"/>
+            <a:ext cx="5305058" cy="584776"/>
+          </a:xfrm>
+          <a:prstGeom prst="rect">
+            <a:avLst/>
+          </a:prstGeom>
+          <a:noFill/>
+        </p:spPr>
+        <p:txBody>
+          <a:bodyPr wrap="none" rtlCol="0">
+            <a:spAutoFit/>
+          </a:bodyPr>
+          <a:lstStyle/>
+          <a:p>
+            <a:r>
+              <a:rPr lang="en-US" dirty="0" smtClean="0">
+                <a:latin typeface="Comic Sans MS" pitchFamily="66" charset="0"/>
+              </a:rPr>
+              <a:t>Truth Table for</a:t>
+            </a:r>
+            <a:r>
+              <a:rPr lang="en-US" dirty="0" smtClean="0">
+                <a:solidFill>
+                  <a:srgbClr val="0000FF"/>
+                </a:solidFill>
+                <a:latin typeface="Comic Sans MS" pitchFamily="66" charset="0"/>
+              </a:rPr>
+              <a:t> IMPLIES</a:t>
+            </a:r>
+            <a:endParaRPr lang="en-US" dirty="0">
+              <a:latin typeface="Comic Sans MS" pitchFamily="66" charset="0"/>
+            </a:endParaRPr>
+          </a:p>
+        </p:txBody>
+      </p:sp>
+      <p:sp>
+        <p:nvSpPr>
+          <p:cNvPr id="8" name="Slide Number Placeholder 2"/>
+          <p:cNvSpPr txBox="1">
+            <a:spLocks/>
+          </p:cNvSpPr>
+          <p:nvPr/>
+        </p:nvSpPr>
+        <p:spPr bwMode="auto">
+          <a:xfrm>
+            <a:off x="8155404" y="6581001"/>
+            <a:ext cx="988597" cy="276999"/>
+          </a:xfrm>
+          <a:prstGeom prst="rect">
+            <a:avLst/>
+          </a:prstGeom>
+          <a:noFill/>
+          <a:ln w="9525">
+            <a:noFill/>
+            <a:miter lim="800000"/>
+            <a:headEnd/>
+            <a:tailEnd/>
+          </a:ln>
+          <a:effectLst/>
+        </p:spPr>
+        <p:txBody>
+          <a:bodyPr vert="horz" wrap="none" lIns="91440" tIns="45720" rIns="91440" bIns="45720" numCol="1" anchor="t" anchorCtr="0" compatLnSpc="1">
+            <a:prstTxWarp prst="textNoShape">
+              <a:avLst/>
+            </a:prstTxWarp>
+            <a:spAutoFit/>
+          </a:bodyPr>
+          <a:lstStyle/>
+          <a:p>
+            <a:pPr marL="0" marR="0" lvl="0" indent="0" algn="r" defTabSz="914400" rtl="0" eaLnBrk="1" fontAlgn="base" latinLnBrk="0" hangingPunct="1">
+              <a:lnSpc>
+                <a:spcPct val="100000"/>
+              </a:lnSpc>
+              <a:spcBef>
+                <a:spcPct val="0"/>
+              </a:spcBef>
+              <a:spcAft>
+                <a:spcPct val="0"/>
+              </a:spcAft>
+              <a:buClrTx/>
+              <a:buSzTx/>
+              <a:buFontTx/>
+              <a:buNone/>
+              <a:tabLst/>
+              <a:defRPr/>
+            </a:pPr>
+            <a:r>
+              <a:rPr kumimoji="0" lang="en-US" sz="1200" b="0" i="0" u="none" strike="noStrike" kern="1200" cap="none" spc="0" normalizeH="0" baseline="0" noProof="0" dirty="0" smtClean="0">
+                <a:ln>
+                  <a:noFill/>
+                </a:ln>
+                <a:solidFill>
+                  <a:schemeClr val="tx1"/>
+                </a:solidFill>
+                <a:effectLst/>
+                <a:uLnTx/>
+                <a:uFillTx/>
+                <a:latin typeface="Comic Sans MS" pitchFamily="66" charset="0"/>
+                <a:ea typeface="+mn-ea"/>
+                <a:cs typeface="+mn-cs"/>
+              </a:rPr>
+              <a:t>IMPLIES.</a:t>
+            </a:r>
+            <a:fld id="{0150943C-9303-41DF-A6FA-7E32D6C5D18E}" type="slidenum">
+              <a:rPr kumimoji="0" lang="en-US" sz="1200" b="0" i="0" u="none" strike="noStrike" kern="1200" cap="none" spc="0" normalizeH="0" baseline="0" noProof="0" smtClean="0">
+                <a:ln>
+                  <a:noFill/>
+                </a:ln>
+                <a:solidFill>
+                  <a:schemeClr val="tx1"/>
+                </a:solidFill>
+                <a:effectLst/>
+                <a:uLnTx/>
+                <a:uFillTx/>
+                <a:latin typeface="Comic Sans MS" pitchFamily="66" charset="0"/>
+                <a:ea typeface="+mn-ea"/>
+                <a:cs typeface="+mn-cs"/>
+              </a:rPr>
+              <a:pPr marL="0" marR="0" lvl="0" indent="0" algn="r" defTabSz="914400" rtl="0" eaLnBrk="1" fontAlgn="base" latinLnBrk="0" hangingPunct="1">
+                <a:lnSpc>
+                  <a:spcPct val="100000"/>
+                </a:lnSpc>
+                <a:spcBef>
+                  <a:spcPct val="0"/>
+                </a:spcBef>
+                <a:spcAft>
+                  <a:spcPct val="0"/>
+                </a:spcAft>
+                <a:buClrTx/>
+                <a:buSzTx/>
+                <a:buFontTx/>
+                <a:buNone/>
+                <a:tabLst/>
+                <a:defRPr/>
+              </a:pPr>
+              <a:t>4</a:t>
+            </a:fld>
+            <a:endParaRPr kumimoji="0" lang="en-US" sz="1200" b="0" i="0" u="none" strike="noStrike" kern="1200" cap="none" spc="0" normalizeH="0" baseline="0" noProof="0" dirty="0" smtClean="0">
+              <a:ln>
+                <a:noFill/>
+              </a:ln>
+              <a:solidFill>
+                <a:schemeClr val="tx1"/>
+              </a:solidFill>
+              <a:effectLst/>
+              <a:uLnTx/>
+              <a:uFillTx/>
+              <a:latin typeface="Comic Sans MS" pitchFamily="66" charset="0"/>
+              <a:ea typeface="+mn-ea"/>
+              <a:cs typeface="+mn-cs"/>
+            </a:endParaRPr>
+          </a:p>
+        </p:txBody>
+      </p:sp>
+      <p:sp>
+        <p:nvSpPr>
+          <p:cNvPr id="11" name="Oval 10"/>
+          <p:cNvSpPr/>
+          <p:nvPr/>
+        </p:nvSpPr>
+        <p:spPr bwMode="auto">
+          <a:xfrm>
+            <a:off x="2473504" y="5678360"/>
+            <a:ext cx="4372985" cy="827608"/>
+          </a:xfrm>
+          <a:prstGeom prst="ellipse">
+            <a:avLst/>
+          </a:prstGeom>
+          <a:solidFill>
+            <a:schemeClr val="accent2">
+              <a:alpha val="51000"/>
+            </a:schemeClr>
+          </a:solidFill>
+          <a:ln w="9525" cap="flat" cmpd="sng" algn="ctr">
+            <a:solidFill>
+              <a:schemeClr val="tx1"/>
+            </a:solidFill>
+            <a:prstDash val="solid"/>
+            <a:round/>
+            <a:headEnd type="none" w="med" len="med"/>
+            <a:tailEnd type="none" w="med" len="med"/>
+          </a:ln>
+          <a:effectLst/>
+        </p:spPr>
+        <p:txBody>
+          <a:bodyPr vert="horz" wrap="none" lIns="91440" tIns="45720" rIns="91440" bIns="45720" numCol="1" rtlCol="0" anchor="ctr" anchorCtr="0" compatLnSpc="1">
+            <a:prstTxWarp prst="textNoShape">
+              <a:avLst/>
+            </a:prstTxWarp>
+          </a:bodyPr>
+          <a:lstStyle/>
+          <a:p>
+            <a:pPr marL="0" marR="0" indent="0" algn="ctr" defTabSz="914400" rtl="0" eaLnBrk="1" fontAlgn="base" latinLnBrk="0" hangingPunct="1">
+              <a:lnSpc>
+                <a:spcPct val="100000"/>
+              </a:lnSpc>
+              <a:spcBef>
+                <a:spcPct val="0"/>
+              </a:spcBef>
+              <a:spcAft>
+                <a:spcPct val="0"/>
+              </a:spcAft>
+              <a:buClrTx/>
+              <a:buSzTx/>
+              <a:buFontTx/>
+              <a:buNone/>
+              <a:tabLst/>
+            </a:pPr>
+            <a:endParaRPr kumimoji="0" lang="en-US" sz="3200" b="0" i="0" u="none" strike="noStrike" cap="none" normalizeH="0" baseline="0" smtClean="0">
+              <a:ln>
+                <a:noFill/>
+              </a:ln>
+              <a:solidFill>
+                <a:schemeClr val="tx1"/>
+              </a:solidFill>
+              <a:effectLst/>
+              <a:latin typeface="Times New Roman" pitchFamily="18" charset="0"/>
+            </a:endParaRPr>
+          </a:p>
+        </p:txBody>
+      </p:sp>
+    </p:spTree>
+    <p:extLst>
+      <p:ext uri="{BB962C8B-B14F-4D97-AF65-F5344CB8AC3E}">
+        <p14:creationId xmlns:p14="http://schemas.microsoft.com/office/powerpoint/2010/main" val="350996333"/>
+      </p:ext>
+    </p:extLst>
+  </p:cSld>
+  <p:clrMapOvr>
+    <a:masterClrMapping/>
+  </p:clrMapOvr>
+  <p:transition xmlns:p14="http://schemas.microsoft.com/office/powerpoint/2010/main" spd="slow" advClick="0">
+    <p:fade/>
+  </p:transition>
+  <p:timing>
+    <p:tnLst>
+      <p:par>
+        <p:cTn xmlns:p14="http://schemas.microsoft.com/office/powerpoint/2010/main" id="1" dur="indefinite" restart="never" nodeType="tmRoot">
+          <p:childTnLst>
+            <p:seq concurrent="1" nextAc="seek">
+              <p:cTn id="2" dur="indefinite" nodeType="mainSeq">
+                <p:childTnLst>
+                  <p:par>
+                    <p:cTn id="3" fill="hold">
+                      <p:stCondLst>
+                        <p:cond delay="indefinite"/>
+                      </p:stCondLst>
+                      <p:childTnLst>
+                        <p:par>
+                          <p:cTn id="4" fill="hold">
+                            <p:stCondLst>
+                              <p:cond delay="0"/>
+                            </p:stCondLst>
+                            <p:childTnLst>
+                              <p:par>
+                                <p:cTn id="5" presetID="37" presetClass="entr" presetSubtype="0" fill="hold" grpId="0" nodeType="clickEffect">
+                                  <p:stCondLst>
+                                    <p:cond delay="0"/>
+                                  </p:stCondLst>
+                                  <p:childTnLst>
+                                    <p:set>
+                                      <p:cBhvr>
+                                        <p:cTn id="6" dur="1" fill="hold">
+                                          <p:stCondLst>
+                                            <p:cond delay="0"/>
+                                          </p:stCondLst>
+                                        </p:cTn>
+                                        <p:tgtEl>
+                                          <p:spTgt spid="11"/>
+                                        </p:tgtEl>
+                                        <p:attrNameLst>
+                                          <p:attrName>style.visibility</p:attrName>
+                                        </p:attrNameLst>
+                                      </p:cBhvr>
+                                      <p:to>
+                                        <p:strVal val="visible"/>
+                                      </p:to>
+                                    </p:set>
+                                    <p:animEffect transition="in" filter="fade">
+                                      <p:cBhvr>
+                                        <p:cTn id="7" dur="1000"/>
+                                        <p:tgtEl>
+                                          <p:spTgt spid="11"/>
+                                        </p:tgtEl>
+                                      </p:cBhvr>
+                                    </p:animEffect>
+                                    <p:anim calcmode="lin" valueType="num">
+                                      <p:cBhvr>
+                                        <p:cTn id="8" dur="1000" fill="hold"/>
+                                        <p:tgtEl>
+                                          <p:spTgt spid="11"/>
+                                        </p:tgtEl>
+                                        <p:attrNameLst>
+                                          <p:attrName>ppt_x</p:attrName>
+                                        </p:attrNameLst>
+                                      </p:cBhvr>
+                                      <p:tavLst>
+                                        <p:tav tm="0">
+                                          <p:val>
+                                            <p:strVal val="#ppt_x"/>
+                                          </p:val>
+                                        </p:tav>
+                                        <p:tav tm="100000">
+                                          <p:val>
+                                            <p:strVal val="#ppt_x"/>
+                                          </p:val>
+                                        </p:tav>
+                                      </p:tavLst>
+                                    </p:anim>
+                                    <p:anim calcmode="lin" valueType="num">
+                                      <p:cBhvr>
+                                        <p:cTn id="9" dur="900" decel="100000" fill="hold"/>
+                                        <p:tgtEl>
+                                          <p:spTgt spid="11"/>
+                                        </p:tgtEl>
+                                        <p:attrNameLst>
+                                          <p:attrName>ppt_y</p:attrName>
+                                        </p:attrNameLst>
+                                      </p:cBhvr>
+                                      <p:tavLst>
+                                        <p:tav tm="0">
+                                          <p:val>
+                                            <p:strVal val="#ppt_y+1"/>
+                                          </p:val>
+                                        </p:tav>
+                                        <p:tav tm="100000">
+                                          <p:val>
+                                            <p:strVal val="#ppt_y-.03"/>
+                                          </p:val>
+                                        </p:tav>
+                                      </p:tavLst>
+                                    </p:anim>
+                                    <p:anim calcmode="lin" valueType="num">
+                                      <p:cBhvr>
+                                        <p:cTn id="10" dur="100" accel="100000" fill="hold">
+                                          <p:stCondLst>
+                                            <p:cond delay="900"/>
+                                          </p:stCondLst>
+                                        </p:cTn>
+                                        <p:tgtEl>
+                                          <p:spTgt spid="11"/>
+                                        </p:tgtEl>
+                                        <p:attrNameLst>
+                                          <p:attrName>ppt_y</p:attrName>
+                                        </p:attrNameLst>
+                                      </p:cBhvr>
+                                      <p:tavLst>
+                                        <p:tav tm="0">
+                                          <p:val>
+                                            <p:strVal val="#ppt_y-.03"/>
+                                          </p:val>
+                                        </p:tav>
+                                        <p:tav tm="100000">
+                                          <p:val>
+                                            <p:strVal val="#ppt_y"/>
+                                          </p:val>
+                                        </p:tav>
+                                      </p:tavLst>
+                                    </p:anim>
+                                  </p:childTnLst>
+                                </p:cTn>
+                              </p:par>
+                            </p:childTnLst>
+                          </p:cTn>
+                        </p:par>
+                      </p:childTnLst>
+                    </p:cTn>
+                  </p:par>
+                </p:childTnLst>
+              </p:cTn>
+              <p:prevCondLst>
+                <p:cond evt="onPrev" delay="0">
+                  <p:tgtEl>
+                    <p:sldTgt/>
+                  </p:tgtEl>
+                </p:cond>
+              </p:prevCondLst>
+              <p:nextCondLst>
+                <p:cond evt="onNext" delay="0">
+                  <p:tgtEl>
+                    <p:sldTgt/>
+                  </p:tgtEl>
+                </p:cond>
+              </p:nextCondLst>
+            </p:seq>
+          </p:childTnLst>
+        </p:cTn>
+      </p:par>
+    </p:tnLst>
+    <p:bldLst>
+      <p:bldP spid="11" grpId="0" animBg="1"/>
+    </p:bldLst>
+  </p:timing>
+</p:sld>
+</file>
+
+<file path=ppt/slides/slide5.xml><?xml version="1.0" encoding="utf-8"?>
+<p:sld xmlns:a="http://schemas.openxmlformats.org/drawingml/2006/main" xmlns:r="http://schemas.openxmlformats.org/officeDocument/2006/relationships" xmlns:p="http://schemas.openxmlformats.org/presentationml/2006/main">
+  <p:cSld>
+    <p:spTree>
+      <p:nvGrpSpPr>
+        <p:cNvPr id="1" name=""/>
+        <p:cNvGrpSpPr/>
+        <p:nvPr/>
+      </p:nvGrpSpPr>
+      <p:grpSpPr>
+        <a:xfrm>
+          <a:off x="0" y="0"/>
+          <a:ext cx="0" cy="0"/>
+          <a:chOff x="0" y="0"/>
+          <a:chExt cx="0" cy="0"/>
+        </a:xfrm>
+      </p:grpSpPr>
+      <p:sp>
+        <p:nvSpPr>
           <p:cNvPr id="20484" name="Rectangle 2"/>
           <p:cNvSpPr>
             <a:spLocks noGrp="1" noChangeArrowheads="1"/>
@@ -10784,7 +12518,7 @@
             <a:fld id="{0150943C-9303-41DF-A6FA-7E32D6C5D18E}" type="slidenum">
               <a:rPr lang="en-US" smtClean="0"/>
               <a:pPr/>
-              <a:t>4</a:t>
+              <a:t>5</a:t>
             </a:fld>
             <a:endParaRPr lang="en-US" dirty="0" smtClean="0"/>
           </a:p>
@@ -10943,7 +12677,7 @@
 </p:sld>
 </file>
 
-<file path=ppt/slides/slide5.xml><?xml version="1.0" encoding="utf-8"?>
+<file path=ppt/slides/slide6.xml><?xml version="1.0" encoding="utf-8"?>
 <p:sld xmlns:a="http://schemas.openxmlformats.org/drawingml/2006/main" xmlns:r="http://schemas.openxmlformats.org/officeDocument/2006/relationships" xmlns:p="http://schemas.openxmlformats.org/presentationml/2006/main">
   <p:cSld>
     <p:spTree>
@@ -11123,7 +12857,7 @@
             <a:fld id="{0150943C-9303-41DF-A6FA-7E32D6C5D18E}" type="slidenum">
               <a:rPr lang="en-US" smtClean="0"/>
               <a:pPr/>
-              <a:t>5</a:t>
+              <a:t>6</a:t>
             </a:fld>
             <a:endParaRPr lang="en-US" dirty="0" smtClean="0"/>
           </a:p>
@@ -11354,7 +13088,7 @@
 </p:sld>
 </file>
 
-<file path=ppt/slides/slide6.xml><?xml version="1.0" encoding="utf-8"?>
+<file path=ppt/slides/slide7.xml><?xml version="1.0" encoding="utf-8"?>
 <p:sld xmlns:a="http://schemas.openxmlformats.org/drawingml/2006/main" xmlns:r="http://schemas.openxmlformats.org/officeDocument/2006/relationships" xmlns:p="http://schemas.openxmlformats.org/presentationml/2006/main">
   <p:cSld>
     <p:spTree>
@@ -11528,7 +13262,7 @@
             <a:fld id="{0150943C-9303-41DF-A6FA-7E32D6C5D18E}" type="slidenum">
               <a:rPr lang="en-US" smtClean="0"/>
               <a:pPr/>
-              <a:t>6</a:t>
+              <a:t>7</a:t>
             </a:fld>
             <a:endParaRPr lang="en-US" dirty="0" smtClean="0"/>
           </a:p>
@@ -11566,7 +13300,7 @@
 </p:sld>
 </file>
 
-<file path=ppt/slides/slide7.xml><?xml version="1.0" encoding="utf-8"?>
+<file path=ppt/slides/slide8.xml><?xml version="1.0" encoding="utf-8"?>
 <p:sld xmlns:a="http://schemas.openxmlformats.org/drawingml/2006/main" xmlns:r="http://schemas.openxmlformats.org/officeDocument/2006/relationships" xmlns:p="http://schemas.openxmlformats.org/presentationml/2006/main">
   <p:cSld>
     <p:spTree>
@@ -11762,7 +13496,7 @@
             <a:fld id="{0150943C-9303-41DF-A6FA-7E32D6C5D18E}" type="slidenum">
               <a:rPr lang="en-US" smtClean="0"/>
               <a:pPr/>
-              <a:t>7</a:t>
+              <a:t>8</a:t>
             </a:fld>
             <a:endParaRPr lang="en-US" dirty="0" smtClean="0"/>
           </a:p>
@@ -11983,7 +13717,7 @@
 </p:sld>
 </file>
 
-<file path=ppt/slides/slide8.xml><?xml version="1.0" encoding="utf-8"?>
+<file path=ppt/slides/slide9.xml><?xml version="1.0" encoding="utf-8"?>
 <p:sld xmlns:a="http://schemas.openxmlformats.org/drawingml/2006/main" xmlns:r="http://schemas.openxmlformats.org/officeDocument/2006/relationships" xmlns:p="http://schemas.openxmlformats.org/presentationml/2006/main">
   <p:cSld>
     <p:spTree>
@@ -12028,7 +13762,7 @@
             <a:fld id="{0150943C-9303-41DF-A6FA-7E32D6C5D18E}" type="slidenum">
               <a:rPr lang="en-US" smtClean="0"/>
               <a:pPr/>
-              <a:t>8</a:t>
+              <a:t>9</a:t>
             </a:fld>
             <a:endParaRPr lang="en-US" dirty="0" smtClean="0"/>
           </a:p>
@@ -12203,179 +13937,6 @@
   </p:clrMapOvr>
   <p:transition xmlns:p14="http://schemas.microsoft.com/office/powerpoint/2010/main" spd="slow" advClick="0">
     <p:fade/>
-  </p:transition>
-  <p:timing>
-    <p:tnLst>
-      <p:par>
-        <p:cTn xmlns:p14="http://schemas.microsoft.com/office/powerpoint/2010/main" id="1" dur="indefinite" restart="never" nodeType="tmRoot"/>
-      </p:par>
-    </p:tnLst>
-  </p:timing>
-</p:sld>
-</file>
-
-<file path=ppt/slides/slide9.xml><?xml version="1.0" encoding="utf-8"?>
-<p:sld xmlns:a="http://schemas.openxmlformats.org/drawingml/2006/main" xmlns:r="http://schemas.openxmlformats.org/officeDocument/2006/relationships" xmlns:p="http://schemas.openxmlformats.org/presentationml/2006/main">
-  <p:cSld>
-    <p:spTree>
-      <p:nvGrpSpPr>
-        <p:cNvPr id="1" name=""/>
-        <p:cNvGrpSpPr/>
-        <p:nvPr/>
-      </p:nvGrpSpPr>
-      <p:grpSpPr>
-        <a:xfrm>
-          <a:off x="0" y="0"/>
-          <a:ext cx="0" cy="0"/>
-          <a:chOff x="0" y="0"/>
-          <a:chExt cx="0" cy="0"/>
-        </a:xfrm>
-      </p:grpSpPr>
-      <p:sp>
-        <p:nvSpPr>
-          <p:cNvPr id="5" name="TextBox 4"/>
-          <p:cNvSpPr txBox="1"/>
-          <p:nvPr/>
-        </p:nvSpPr>
-        <p:spPr>
-          <a:xfrm>
-            <a:off x="124740" y="1717665"/>
-            <a:ext cx="8985240" cy="3532858"/>
-          </a:xfrm>
-          <a:prstGeom prst="rect">
-            <a:avLst/>
-          </a:prstGeom>
-          <a:noFill/>
-        </p:spPr>
-        <p:txBody>
-          <a:bodyPr wrap="square" rtlCol="0">
-            <a:spAutoFit/>
-          </a:bodyPr>
-          <a:lstStyle/>
-          <a:p>
-            <a:pPr algn="l"/>
-            <a:r>
-              <a:rPr lang="en-US" sz="5400" dirty="0" smtClean="0">
-                <a:latin typeface="Comic Sans MS" pitchFamily="66" charset="0"/>
-              </a:rPr>
-              <a:t>Instead of truth tables,</a:t>
-            </a:r>
-          </a:p>
-          <a:p>
-            <a:pPr algn="l"/>
-            <a:r>
-              <a:rPr lang="en-US" sz="5400" dirty="0" smtClean="0">
-                <a:latin typeface="Comic Sans MS" pitchFamily="66" charset="0"/>
-              </a:rPr>
-              <a:t>can try to</a:t>
-            </a:r>
-            <a:r>
-              <a:rPr lang="en-US" sz="5400" dirty="0" smtClean="0">
-                <a:solidFill>
-                  <a:srgbClr val="BB0FAB"/>
-                </a:solidFill>
-                <a:latin typeface="Comic Sans MS" pitchFamily="66" charset="0"/>
-              </a:rPr>
-              <a:t> prove</a:t>
-            </a:r>
-            <a:r>
-              <a:rPr lang="en-US" sz="5400" i="1" dirty="0" smtClean="0">
-                <a:solidFill>
-                  <a:srgbClr val="BB0FAB"/>
-                </a:solidFill>
-                <a:latin typeface="Comic Sans MS" pitchFamily="66" charset="0"/>
-              </a:rPr>
-              <a:t> </a:t>
-            </a:r>
-            <a:r>
-              <a:rPr lang="en-US" sz="5400" dirty="0" smtClean="0">
-                <a:latin typeface="Comic Sans MS" pitchFamily="66" charset="0"/>
-              </a:rPr>
-              <a:t>valid</a:t>
-            </a:r>
-          </a:p>
-          <a:p>
-            <a:pPr algn="l"/>
-            <a:r>
-              <a:rPr lang="en-US" sz="5400" dirty="0" smtClean="0">
-                <a:latin typeface="Comic Sans MS" pitchFamily="66" charset="0"/>
-              </a:rPr>
-              <a:t>formulas symbolically using axioms and deduction rules</a:t>
-            </a:r>
-            <a:endParaRPr lang="en-US" sz="5400" dirty="0">
-              <a:latin typeface="Comic Sans MS" pitchFamily="66" charset="0"/>
-            </a:endParaRPr>
-          </a:p>
-        </p:txBody>
-      </p:sp>
-      <p:sp>
-        <p:nvSpPr>
-          <p:cNvPr id="9" name="Title 1"/>
-          <p:cNvSpPr>
-            <a:spLocks noGrp="1"/>
-          </p:cNvSpPr>
-          <p:nvPr>
-            <p:ph type="title"/>
-          </p:nvPr>
-        </p:nvSpPr>
-        <p:spPr>
-          <a:xfrm>
-            <a:off x="1651000" y="363538"/>
-            <a:ext cx="6794500" cy="1003300"/>
-          </a:xfrm>
-        </p:spPr>
-        <p:txBody>
-          <a:bodyPr/>
-          <a:lstStyle/>
-          <a:p>
-            <a:r>
-              <a:rPr lang="en-US" sz="4000" dirty="0" smtClean="0"/>
-              <a:t>Proving Validity</a:t>
-            </a:r>
-            <a:endParaRPr lang="en-US" sz="4000" dirty="0"/>
-          </a:p>
-        </p:txBody>
-      </p:sp>
-      <p:sp>
-        <p:nvSpPr>
-          <p:cNvPr id="4" name="Slide Number Placeholder 2"/>
-          <p:cNvSpPr>
-            <a:spLocks noGrp="1"/>
-          </p:cNvSpPr>
-          <p:nvPr>
-            <p:ph type="sldNum" sz="quarter" idx="10"/>
-          </p:nvPr>
-        </p:nvSpPr>
-        <p:spPr>
-          <a:xfrm>
-            <a:off x="8155404" y="6553200"/>
-            <a:ext cx="988597" cy="276999"/>
-          </a:xfrm>
-        </p:spPr>
-        <p:txBody>
-          <a:bodyPr/>
-          <a:lstStyle/>
-          <a:p>
-            <a:r>
-              <a:rPr lang="en-US" dirty="0" smtClean="0"/>
-              <a:t>IMPLIES.</a:t>
-            </a:r>
-            <a:fld id="{3251DA95-B240-47FE-901D-B78FC8E8E532}" type="slidenum">
-              <a:rPr lang="en-US" smtClean="0"/>
-              <a:pPr/>
-              <a:t>9</a:t>
-            </a:fld>
-            <a:endParaRPr lang="en-US" dirty="0"/>
-          </a:p>
-        </p:txBody>
-      </p:sp>
-    </p:spTree>
-  </p:cSld>
-  <p:clrMapOvr>
-    <a:masterClrMapping/>
-  </p:clrMapOvr>
-  <p:transition xmlns:p14="http://schemas.microsoft.com/office/powerpoint/2010/main" spd="slow" advClick="0">
-    <p:fade thruBlk="1"/>
   </p:transition>
   <p:timing>
     <p:tnLst>
